--- a/dapr1_lectures/dapr1_2_01_bootci/un_boot_ci.pptx
+++ b/dapr1_lectures/dapr1_2_01_bootci/un_boot_ci.pptx
@@ -6,13 +6,14 @@
   </p:sldMasterIdLst>
   <p:sldIdLst>
     <p:sldId id="256" r:id="rId2"/>
-    <p:sldId id="258" r:id="rId3"/>
-    <p:sldId id="259" r:id="rId4"/>
-    <p:sldId id="260" r:id="rId5"/>
-    <p:sldId id="262" r:id="rId6"/>
-    <p:sldId id="257" r:id="rId7"/>
-    <p:sldId id="261" r:id="rId8"/>
-    <p:sldId id="263" r:id="rId9"/>
+    <p:sldId id="264" r:id="rId3"/>
+    <p:sldId id="265" r:id="rId4"/>
+    <p:sldId id="258" r:id="rId5"/>
+    <p:sldId id="259" r:id="rId6"/>
+    <p:sldId id="260" r:id="rId7"/>
+    <p:sldId id="257" r:id="rId8"/>
+    <p:sldId id="261" r:id="rId9"/>
+    <p:sldId id="263" r:id="rId10"/>
   </p:sldIdLst>
   <p:sldSz cx="12192000" cy="6858000"/>
   <p:notesSz cx="6858000" cy="9144000"/>
@@ -268,7 +269,7 @@
           <a:p>
             <a:fld id="{EE875489-659F-0740-A353-EEFBF8838272}" type="datetimeFigureOut">
               <a:rPr lang="en-US" smtClean="0"/>
-              <a:t>1/13/22</a:t>
+              <a:t>1/14/22</a:t>
             </a:fld>
             <a:endParaRPr lang="en-US"/>
           </a:p>
@@ -468,7 +469,7 @@
           <a:p>
             <a:fld id="{EE875489-659F-0740-A353-EEFBF8838272}" type="datetimeFigureOut">
               <a:rPr lang="en-US" smtClean="0"/>
-              <a:t>1/13/22</a:t>
+              <a:t>1/14/22</a:t>
             </a:fld>
             <a:endParaRPr lang="en-US"/>
           </a:p>
@@ -678,7 +679,7 @@
           <a:p>
             <a:fld id="{EE875489-659F-0740-A353-EEFBF8838272}" type="datetimeFigureOut">
               <a:rPr lang="en-US" smtClean="0"/>
-              <a:t>1/13/22</a:t>
+              <a:t>1/14/22</a:t>
             </a:fld>
             <a:endParaRPr lang="en-US"/>
           </a:p>
@@ -878,7 +879,7 @@
           <a:p>
             <a:fld id="{EE875489-659F-0740-A353-EEFBF8838272}" type="datetimeFigureOut">
               <a:rPr lang="en-US" smtClean="0"/>
-              <a:t>1/13/22</a:t>
+              <a:t>1/14/22</a:t>
             </a:fld>
             <a:endParaRPr lang="en-US"/>
           </a:p>
@@ -1154,7 +1155,7 @@
           <a:p>
             <a:fld id="{EE875489-659F-0740-A353-EEFBF8838272}" type="datetimeFigureOut">
               <a:rPr lang="en-US" smtClean="0"/>
-              <a:t>1/13/22</a:t>
+              <a:t>1/14/22</a:t>
             </a:fld>
             <a:endParaRPr lang="en-US"/>
           </a:p>
@@ -1422,7 +1423,7 @@
           <a:p>
             <a:fld id="{EE875489-659F-0740-A353-EEFBF8838272}" type="datetimeFigureOut">
               <a:rPr lang="en-US" smtClean="0"/>
-              <a:t>1/13/22</a:t>
+              <a:t>1/14/22</a:t>
             </a:fld>
             <a:endParaRPr lang="en-US"/>
           </a:p>
@@ -1837,7 +1838,7 @@
           <a:p>
             <a:fld id="{EE875489-659F-0740-A353-EEFBF8838272}" type="datetimeFigureOut">
               <a:rPr lang="en-US" smtClean="0"/>
-              <a:t>1/13/22</a:t>
+              <a:t>1/14/22</a:t>
             </a:fld>
             <a:endParaRPr lang="en-US"/>
           </a:p>
@@ -1979,7 +1980,7 @@
           <a:p>
             <a:fld id="{EE875489-659F-0740-A353-EEFBF8838272}" type="datetimeFigureOut">
               <a:rPr lang="en-US" smtClean="0"/>
-              <a:t>1/13/22</a:t>
+              <a:t>1/14/22</a:t>
             </a:fld>
             <a:endParaRPr lang="en-US"/>
           </a:p>
@@ -2092,7 +2093,7 @@
           <a:p>
             <a:fld id="{EE875489-659F-0740-A353-EEFBF8838272}" type="datetimeFigureOut">
               <a:rPr lang="en-US" smtClean="0"/>
-              <a:t>1/13/22</a:t>
+              <a:t>1/14/22</a:t>
             </a:fld>
             <a:endParaRPr lang="en-US"/>
           </a:p>
@@ -2405,7 +2406,7 @@
           <a:p>
             <a:fld id="{EE875489-659F-0740-A353-EEFBF8838272}" type="datetimeFigureOut">
               <a:rPr lang="en-US" smtClean="0"/>
-              <a:t>1/13/22</a:t>
+              <a:t>1/14/22</a:t>
             </a:fld>
             <a:endParaRPr lang="en-US"/>
           </a:p>
@@ -2694,7 +2695,7 @@
           <a:p>
             <a:fld id="{EE875489-659F-0740-A353-EEFBF8838272}" type="datetimeFigureOut">
               <a:rPr lang="en-US" smtClean="0"/>
-              <a:t>1/13/22</a:t>
+              <a:t>1/14/22</a:t>
             </a:fld>
             <a:endParaRPr lang="en-US"/>
           </a:p>
@@ -2937,7 +2938,7 @@
           <a:p>
             <a:fld id="{EE875489-659F-0740-A353-EEFBF8838272}" type="datetimeFigureOut">
               <a:rPr lang="en-US" smtClean="0"/>
-              <a:t>1/13/22</a:t>
+              <a:t>1/14/22</a:t>
             </a:fld>
             <a:endParaRPr lang="en-US"/>
           </a:p>
@@ -4201,10 +4202,10 @@
       </p:sp>
       <p:pic>
         <p:nvPicPr>
-          <p:cNvPr id="2" name="Picture 1">
-            <a:extLst>
-              <a:ext uri="{FF2B5EF4-FFF2-40B4-BE49-F238E27FC236}">
-                <a16:creationId xmlns:a16="http://schemas.microsoft.com/office/drawing/2014/main" id="{5F9A9536-ADE7-A147-89A5-56F7A290B256}"/>
+          <p:cNvPr id="3" name="Picture 2">
+            <a:extLst>
+              <a:ext uri="{FF2B5EF4-FFF2-40B4-BE49-F238E27FC236}">
+                <a16:creationId xmlns:a16="http://schemas.microsoft.com/office/drawing/2014/main" id="{01E19C64-5335-7743-BC2F-B2D986731275}"/>
               </a:ext>
             </a:extLst>
           </p:cNvPr>
@@ -4221,8 +4222,8 @@
         </p:blipFill>
         <p:spPr>
           <a:xfrm>
-            <a:off x="8111444" y="658712"/>
-            <a:ext cx="2931728" cy="3518074"/>
+            <a:off x="8073696" y="706281"/>
+            <a:ext cx="2960413" cy="3552496"/>
           </a:xfrm>
           <a:prstGeom prst="rect">
             <a:avLst/>
@@ -4245,8 +4246,8 @@
         </p:nvCxnSpPr>
         <p:spPr>
           <a:xfrm flipV="1">
-            <a:off x="7689620" y="3216166"/>
-            <a:ext cx="1225314" cy="2085223"/>
+            <a:off x="7689620" y="3647090"/>
+            <a:ext cx="1191621" cy="1654300"/>
           </a:xfrm>
           <a:prstGeom prst="straightConnector1">
             <a:avLst/>
@@ -4284,6 +4285,2015 @@
 </file>
 
 <file path=ppt/slides/slide2.xml><?xml version="1.0" encoding="utf-8"?>
+<p:sld xmlns:a="http://schemas.openxmlformats.org/drawingml/2006/main" xmlns:r="http://schemas.openxmlformats.org/officeDocument/2006/relationships" xmlns:p="http://schemas.openxmlformats.org/presentationml/2006/main">
+  <p:cSld>
+    <p:spTree>
+      <p:nvGrpSpPr>
+        <p:cNvPr id="1" name=""/>
+        <p:cNvGrpSpPr/>
+        <p:nvPr/>
+      </p:nvGrpSpPr>
+      <p:grpSpPr>
+        <a:xfrm>
+          <a:off x="0" y="0"/>
+          <a:ext cx="0" cy="0"/>
+          <a:chOff x="0" y="0"/>
+          <a:chExt cx="0" cy="0"/>
+        </a:xfrm>
+      </p:grpSpPr>
+      <p:sp>
+        <p:nvSpPr>
+          <p:cNvPr id="28" name="Rounded Rectangle 27">
+            <a:extLst>
+              <a:ext uri="{FF2B5EF4-FFF2-40B4-BE49-F238E27FC236}">
+                <a16:creationId xmlns:a16="http://schemas.microsoft.com/office/drawing/2014/main" id="{0D6F8EE4-BC22-5B44-AF53-D98EF7500923}"/>
+              </a:ext>
+            </a:extLst>
+          </p:cNvPr>
+          <p:cNvSpPr/>
+          <p:nvPr/>
+        </p:nvSpPr>
+        <p:spPr>
+          <a:xfrm>
+            <a:off x="7689620" y="283779"/>
+            <a:ext cx="3775376" cy="4090535"/>
+          </a:xfrm>
+          <a:prstGeom prst="roundRect">
+            <a:avLst>
+              <a:gd name="adj" fmla="val 6876"/>
+            </a:avLst>
+          </a:prstGeom>
+        </p:spPr>
+        <p:style>
+          <a:lnRef idx="2">
+            <a:schemeClr val="accent5"/>
+          </a:lnRef>
+          <a:fillRef idx="1">
+            <a:schemeClr val="lt1"/>
+          </a:fillRef>
+          <a:effectRef idx="0">
+            <a:schemeClr val="accent5"/>
+          </a:effectRef>
+          <a:fontRef idx="minor">
+            <a:schemeClr val="dk1"/>
+          </a:fontRef>
+        </p:style>
+        <p:txBody>
+          <a:bodyPr rtlCol="0" anchor="ctr"/>
+          <a:lstStyle/>
+          <a:p>
+            <a:pPr algn="ctr"/>
+            <a:endParaRPr lang="en-US" dirty="0"/>
+          </a:p>
+        </p:txBody>
+      </p:sp>
+      <p:pic>
+        <p:nvPicPr>
+          <p:cNvPr id="2" name="Picture 1">
+            <a:extLst>
+              <a:ext uri="{FF2B5EF4-FFF2-40B4-BE49-F238E27FC236}">
+                <a16:creationId xmlns:a16="http://schemas.microsoft.com/office/drawing/2014/main" id="{35C9DF0A-8FC0-204F-8FE4-A5F7835767BB}"/>
+              </a:ext>
+            </a:extLst>
+          </p:cNvPr>
+          <p:cNvPicPr>
+            <a:picLocks noChangeAspect="1"/>
+          </p:cNvPicPr>
+          <p:nvPr/>
+        </p:nvPicPr>
+        <p:blipFill>
+          <a:blip r:embed="rId2"/>
+          <a:stretch>
+            <a:fillRect/>
+          </a:stretch>
+        </p:blipFill>
+        <p:spPr>
+          <a:xfrm>
+            <a:off x="8073696" y="706282"/>
+            <a:ext cx="2960413" cy="3552496"/>
+          </a:xfrm>
+          <a:prstGeom prst="rect">
+            <a:avLst/>
+          </a:prstGeom>
+        </p:spPr>
+      </p:pic>
+      <mc:AlternateContent xmlns:mc="http://schemas.openxmlformats.org/markup-compatibility/2006" xmlns:a14="http://schemas.microsoft.com/office/drawing/2010/main">
+        <mc:Choice Requires="a14">
+          <p:sp>
+            <p:nvSpPr>
+              <p:cNvPr id="12" name="Cloud 11">
+                <a:extLst>
+                  <a:ext uri="{FF2B5EF4-FFF2-40B4-BE49-F238E27FC236}">
+                    <a16:creationId xmlns:a16="http://schemas.microsoft.com/office/drawing/2014/main" id="{1AF3722A-0060-4144-928C-74D05C4E7D37}"/>
+                  </a:ext>
+                </a:extLst>
+              </p:cNvPr>
+              <p:cNvSpPr/>
+              <p:nvPr/>
+            </p:nvSpPr>
+            <p:spPr>
+              <a:xfrm>
+                <a:off x="539982" y="516084"/>
+                <a:ext cx="3962400" cy="2165131"/>
+              </a:xfrm>
+              <a:prstGeom prst="cloud">
+                <a:avLst/>
+              </a:prstGeom>
+              <a:gradFill flip="none" rotWithShape="1">
+                <a:gsLst>
+                  <a:gs pos="76000">
+                    <a:schemeClr val="accent2"/>
+                  </a:gs>
+                  <a:gs pos="62000">
+                    <a:schemeClr val="accent4"/>
+                  </a:gs>
+                  <a:gs pos="46000">
+                    <a:schemeClr val="accent6"/>
+                  </a:gs>
+                  <a:gs pos="19000">
+                    <a:srgbClr val="7030A0"/>
+                  </a:gs>
+                  <a:gs pos="29000">
+                    <a:srgbClr val="0070C0"/>
+                  </a:gs>
+                  <a:gs pos="94000">
+                    <a:srgbClr val="C00000"/>
+                  </a:gs>
+                </a:gsLst>
+                <a:lin ang="13500000" scaled="1"/>
+                <a:tileRect/>
+              </a:gradFill>
+              <a:ln>
+                <a:solidFill>
+                  <a:schemeClr val="accent5"/>
+                </a:solidFill>
+              </a:ln>
+            </p:spPr>
+            <p:style>
+              <a:lnRef idx="2">
+                <a:schemeClr val="accent1">
+                  <a:shade val="50000"/>
+                </a:schemeClr>
+              </a:lnRef>
+              <a:fillRef idx="1">
+                <a:schemeClr val="accent1"/>
+              </a:fillRef>
+              <a:effectRef idx="0">
+                <a:schemeClr val="accent1"/>
+              </a:effectRef>
+              <a:fontRef idx="minor">
+                <a:schemeClr val="lt1"/>
+              </a:fontRef>
+            </p:style>
+            <p:txBody>
+              <a:bodyPr rtlCol="0" anchor="ctr"/>
+              <a:lstStyle/>
+              <a:p>
+                <a:pPr algn="ctr"/>
+                <a:r>
+                  <a:rPr lang="en-US" sz="2400" dirty="0">
+                    <a:solidFill>
+                      <a:schemeClr val="tx1"/>
+                    </a:solidFill>
+                  </a:rPr>
+                  <a:t>Population</a:t>
+                </a:r>
+                <a:br>
+                  <a:rPr lang="en-US" sz="2400" dirty="0">
+                    <a:solidFill>
+                      <a:schemeClr val="tx1"/>
+                    </a:solidFill>
+                  </a:rPr>
+                </a:br>
+                <a:r>
+                  <a:rPr lang="en-US" sz="2400" dirty="0">
+                    <a:solidFill>
+                      <a:schemeClr val="tx1"/>
+                    </a:solidFill>
+                  </a:rPr>
+                  <a:t>(size </a:t>
+                </a:r>
+                <a14:m>
+                  <m:oMath xmlns:m="http://schemas.openxmlformats.org/officeDocument/2006/math">
+                    <m:r>
+                      <a:rPr lang="en-US" sz="2400" i="1">
+                        <a:solidFill>
+                          <a:schemeClr val="tx1"/>
+                        </a:solidFill>
+                        <a:latin typeface="Cambria Math" panose="02040503050406030204" pitchFamily="18" charset="0"/>
+                      </a:rPr>
+                      <m:t>𝑁</m:t>
+                    </m:r>
+                  </m:oMath>
+                </a14:m>
+                <a:r>
+                  <a:rPr lang="en-US" sz="2400" dirty="0">
+                    <a:solidFill>
+                      <a:schemeClr val="tx1"/>
+                    </a:solidFill>
+                  </a:rPr>
+                  <a:t>)</a:t>
+                </a:r>
+              </a:p>
+            </p:txBody>
+          </p:sp>
+        </mc:Choice>
+        <mc:Fallback xmlns="">
+          <p:sp>
+            <p:nvSpPr>
+              <p:cNvPr id="12" name="Cloud 11">
+                <a:extLst>
+                  <a:ext uri="{FF2B5EF4-FFF2-40B4-BE49-F238E27FC236}">
+                    <a16:creationId xmlns:a16="http://schemas.microsoft.com/office/drawing/2014/main" id="{1AF3722A-0060-4144-928C-74D05C4E7D37}"/>
+                  </a:ext>
+                </a:extLst>
+              </p:cNvPr>
+              <p:cNvSpPr>
+                <a:spLocks noRot="1" noChangeAspect="1" noMove="1" noResize="1" noEditPoints="1" noAdjustHandles="1" noChangeArrowheads="1" noChangeShapeType="1" noTextEdit="1"/>
+              </p:cNvSpPr>
+              <p:nvPr/>
+            </p:nvSpPr>
+            <p:spPr>
+              <a:xfrm>
+                <a:off x="539982" y="516084"/>
+                <a:ext cx="3962400" cy="2165131"/>
+              </a:xfrm>
+              <a:prstGeom prst="cloud">
+                <a:avLst/>
+              </a:prstGeom>
+              <a:blipFill>
+                <a:blip r:embed="rId3"/>
+                <a:stretch>
+                  <a:fillRect/>
+                </a:stretch>
+              </a:blipFill>
+              <a:ln>
+                <a:solidFill>
+                  <a:schemeClr val="accent5"/>
+                </a:solidFill>
+              </a:ln>
+            </p:spPr>
+            <p:txBody>
+              <a:bodyPr/>
+              <a:lstStyle/>
+              <a:p>
+                <a:r>
+                  <a:rPr lang="en-US">
+                    <a:noFill/>
+                  </a:rPr>
+                  <a:t> </a:t>
+                </a:r>
+              </a:p>
+            </p:txBody>
+          </p:sp>
+        </mc:Fallback>
+      </mc:AlternateContent>
+      <mc:AlternateContent xmlns:mc="http://schemas.openxmlformats.org/markup-compatibility/2006" xmlns:a14="http://schemas.microsoft.com/office/drawing/2010/main">
+        <mc:Choice Requires="a14">
+          <p:sp>
+            <p:nvSpPr>
+              <p:cNvPr id="13" name="TextBox 12">
+                <a:extLst>
+                  <a:ext uri="{FF2B5EF4-FFF2-40B4-BE49-F238E27FC236}">
+                    <a16:creationId xmlns:a16="http://schemas.microsoft.com/office/drawing/2014/main" id="{91DF51F2-6ACD-9B4E-96EF-D5AC76861847}"/>
+                  </a:ext>
+                </a:extLst>
+              </p:cNvPr>
+              <p:cNvSpPr txBox="1"/>
+              <p:nvPr/>
+            </p:nvSpPr>
+            <p:spPr>
+              <a:xfrm>
+                <a:off x="748265" y="4942616"/>
+                <a:ext cx="1104790" cy="830997"/>
+              </a:xfrm>
+              <a:prstGeom prst="rect">
+                <a:avLst/>
+              </a:prstGeom>
+              <a:noFill/>
+            </p:spPr>
+            <p:txBody>
+              <a:bodyPr wrap="none" rtlCol="0">
+                <a:spAutoFit/>
+              </a:bodyPr>
+              <a:lstStyle/>
+              <a:p>
+                <a:r>
+                  <a:rPr lang="en-US" sz="2400" dirty="0"/>
+                  <a:t>Sample</a:t>
+                </a:r>
+              </a:p>
+              <a:p>
+                <a:r>
+                  <a:rPr lang="en-US" sz="2400" dirty="0"/>
+                  <a:t>(size </a:t>
+                </a:r>
+                <a14:m>
+                  <m:oMath xmlns:m="http://schemas.openxmlformats.org/officeDocument/2006/math">
+                    <m:r>
+                      <a:rPr lang="en-US" sz="2400" i="1">
+                        <a:latin typeface="Cambria Math" panose="02040503050406030204" pitchFamily="18" charset="0"/>
+                      </a:rPr>
+                      <m:t>𝑛</m:t>
+                    </m:r>
+                  </m:oMath>
+                </a14:m>
+                <a:r>
+                  <a:rPr lang="en-US" sz="2400" dirty="0"/>
+                  <a:t>)</a:t>
+                </a:r>
+              </a:p>
+            </p:txBody>
+          </p:sp>
+        </mc:Choice>
+        <mc:Fallback xmlns="">
+          <p:sp>
+            <p:nvSpPr>
+              <p:cNvPr id="13" name="TextBox 12">
+                <a:extLst>
+                  <a:ext uri="{FF2B5EF4-FFF2-40B4-BE49-F238E27FC236}">
+                    <a16:creationId xmlns:a16="http://schemas.microsoft.com/office/drawing/2014/main" id="{91DF51F2-6ACD-9B4E-96EF-D5AC76861847}"/>
+                  </a:ext>
+                </a:extLst>
+              </p:cNvPr>
+              <p:cNvSpPr txBox="1">
+                <a:spLocks noRot="1" noChangeAspect="1" noMove="1" noResize="1" noEditPoints="1" noAdjustHandles="1" noChangeArrowheads="1" noChangeShapeType="1" noTextEdit="1"/>
+              </p:cNvSpPr>
+              <p:nvPr/>
+            </p:nvSpPr>
+            <p:spPr>
+              <a:xfrm>
+                <a:off x="748265" y="4942616"/>
+                <a:ext cx="1104790" cy="830997"/>
+              </a:xfrm>
+              <a:prstGeom prst="rect">
+                <a:avLst/>
+              </a:prstGeom>
+              <a:blipFill>
+                <a:blip r:embed="rId4"/>
+                <a:stretch>
+                  <a:fillRect l="-9195" t="-6061" r="-8046" b="-15152"/>
+                </a:stretch>
+              </a:blipFill>
+            </p:spPr>
+            <p:txBody>
+              <a:bodyPr/>
+              <a:lstStyle/>
+              <a:p>
+                <a:r>
+                  <a:rPr lang="en-US">
+                    <a:noFill/>
+                  </a:rPr>
+                  <a:t> </a:t>
+                </a:r>
+              </a:p>
+            </p:txBody>
+          </p:sp>
+        </mc:Fallback>
+      </mc:AlternateContent>
+      <p:sp>
+        <p:nvSpPr>
+          <p:cNvPr id="15" name="Graphic 6" descr="Puzzle">
+            <a:extLst>
+              <a:ext uri="{FF2B5EF4-FFF2-40B4-BE49-F238E27FC236}">
+                <a16:creationId xmlns:a16="http://schemas.microsoft.com/office/drawing/2014/main" id="{A7A96C26-F993-6944-A6EB-2BB0E06A1004}"/>
+              </a:ext>
+            </a:extLst>
+          </p:cNvPr>
+          <p:cNvSpPr/>
+          <p:nvPr/>
+        </p:nvSpPr>
+        <p:spPr>
+          <a:xfrm rot="18900000">
+            <a:off x="1942444" y="4662463"/>
+            <a:ext cx="1391304" cy="1391304"/>
+          </a:xfrm>
+          <a:custGeom>
+            <a:avLst/>
+            <a:gdLst>
+              <a:gd name="connsiteX0" fmla="*/ 492443 w 762000"/>
+              <a:gd name="connsiteY0" fmla="*/ 578168 h 762000"/>
+              <a:gd name="connsiteX1" fmla="*/ 451485 w 762000"/>
+              <a:gd name="connsiteY1" fmla="*/ 452438 h 762000"/>
+              <a:gd name="connsiteX2" fmla="*/ 458153 w 762000"/>
+              <a:gd name="connsiteY2" fmla="*/ 445770 h 762000"/>
+              <a:gd name="connsiteX3" fmla="*/ 585788 w 762000"/>
+              <a:gd name="connsiteY3" fmla="*/ 484823 h 762000"/>
+              <a:gd name="connsiteX4" fmla="*/ 653415 w 762000"/>
+              <a:gd name="connsiteY4" fmla="*/ 539115 h 762000"/>
+              <a:gd name="connsiteX5" fmla="*/ 762000 w 762000"/>
+              <a:gd name="connsiteY5" fmla="*/ 430530 h 762000"/>
+              <a:gd name="connsiteX6" fmla="*/ 600075 w 762000"/>
+              <a:gd name="connsiteY6" fmla="*/ 268605 h 762000"/>
+              <a:gd name="connsiteX7" fmla="*/ 654368 w 762000"/>
+              <a:gd name="connsiteY7" fmla="*/ 200978 h 762000"/>
+              <a:gd name="connsiteX8" fmla="*/ 693420 w 762000"/>
+              <a:gd name="connsiteY8" fmla="*/ 73343 h 762000"/>
+              <a:gd name="connsiteX9" fmla="*/ 686753 w 762000"/>
+              <a:gd name="connsiteY9" fmla="*/ 66675 h 762000"/>
+              <a:gd name="connsiteX10" fmla="*/ 561023 w 762000"/>
+              <a:gd name="connsiteY10" fmla="*/ 107632 h 762000"/>
+              <a:gd name="connsiteX11" fmla="*/ 493395 w 762000"/>
+              <a:gd name="connsiteY11" fmla="*/ 161925 h 762000"/>
+              <a:gd name="connsiteX12" fmla="*/ 331470 w 762000"/>
+              <a:gd name="connsiteY12" fmla="*/ 0 h 762000"/>
+              <a:gd name="connsiteX13" fmla="*/ 221933 w 762000"/>
+              <a:gd name="connsiteY13" fmla="*/ 108585 h 762000"/>
+              <a:gd name="connsiteX14" fmla="*/ 276225 w 762000"/>
+              <a:gd name="connsiteY14" fmla="*/ 176213 h 762000"/>
+              <a:gd name="connsiteX15" fmla="*/ 317183 w 762000"/>
+              <a:gd name="connsiteY15" fmla="*/ 301943 h 762000"/>
+              <a:gd name="connsiteX16" fmla="*/ 310515 w 762000"/>
+              <a:gd name="connsiteY16" fmla="*/ 308610 h 762000"/>
+              <a:gd name="connsiteX17" fmla="*/ 182880 w 762000"/>
+              <a:gd name="connsiteY17" fmla="*/ 269558 h 762000"/>
+              <a:gd name="connsiteX18" fmla="*/ 115253 w 762000"/>
+              <a:gd name="connsiteY18" fmla="*/ 215265 h 762000"/>
+              <a:gd name="connsiteX19" fmla="*/ 0 w 762000"/>
+              <a:gd name="connsiteY19" fmla="*/ 331470 h 762000"/>
+              <a:gd name="connsiteX20" fmla="*/ 161925 w 762000"/>
+              <a:gd name="connsiteY20" fmla="*/ 493395 h 762000"/>
+              <a:gd name="connsiteX21" fmla="*/ 107632 w 762000"/>
+              <a:gd name="connsiteY21" fmla="*/ 561023 h 762000"/>
+              <a:gd name="connsiteX22" fmla="*/ 68580 w 762000"/>
+              <a:gd name="connsiteY22" fmla="*/ 688658 h 762000"/>
+              <a:gd name="connsiteX23" fmla="*/ 75248 w 762000"/>
+              <a:gd name="connsiteY23" fmla="*/ 695325 h 762000"/>
+              <a:gd name="connsiteX24" fmla="*/ 200978 w 762000"/>
+              <a:gd name="connsiteY24" fmla="*/ 654368 h 762000"/>
+              <a:gd name="connsiteX25" fmla="*/ 268605 w 762000"/>
+              <a:gd name="connsiteY25" fmla="*/ 600075 h 762000"/>
+              <a:gd name="connsiteX26" fmla="*/ 430530 w 762000"/>
+              <a:gd name="connsiteY26" fmla="*/ 762000 h 762000"/>
+              <a:gd name="connsiteX27" fmla="*/ 546735 w 762000"/>
+              <a:gd name="connsiteY27" fmla="*/ 645795 h 762000"/>
+              <a:gd name="connsiteX28" fmla="*/ 492443 w 762000"/>
+              <a:gd name="connsiteY28" fmla="*/ 578168 h 762000"/>
+            </a:gdLst>
+            <a:ahLst/>
+            <a:cxnLst>
+              <a:cxn ang="0">
+                <a:pos x="connsiteX0" y="connsiteY0"/>
+              </a:cxn>
+              <a:cxn ang="0">
+                <a:pos x="connsiteX1" y="connsiteY1"/>
+              </a:cxn>
+              <a:cxn ang="0">
+                <a:pos x="connsiteX2" y="connsiteY2"/>
+              </a:cxn>
+              <a:cxn ang="0">
+                <a:pos x="connsiteX3" y="connsiteY3"/>
+              </a:cxn>
+              <a:cxn ang="0">
+                <a:pos x="connsiteX4" y="connsiteY4"/>
+              </a:cxn>
+              <a:cxn ang="0">
+                <a:pos x="connsiteX5" y="connsiteY5"/>
+              </a:cxn>
+              <a:cxn ang="0">
+                <a:pos x="connsiteX6" y="connsiteY6"/>
+              </a:cxn>
+              <a:cxn ang="0">
+                <a:pos x="connsiteX7" y="connsiteY7"/>
+              </a:cxn>
+              <a:cxn ang="0">
+                <a:pos x="connsiteX8" y="connsiteY8"/>
+              </a:cxn>
+              <a:cxn ang="0">
+                <a:pos x="connsiteX9" y="connsiteY9"/>
+              </a:cxn>
+              <a:cxn ang="0">
+                <a:pos x="connsiteX10" y="connsiteY10"/>
+              </a:cxn>
+              <a:cxn ang="0">
+                <a:pos x="connsiteX11" y="connsiteY11"/>
+              </a:cxn>
+              <a:cxn ang="0">
+                <a:pos x="connsiteX12" y="connsiteY12"/>
+              </a:cxn>
+              <a:cxn ang="0">
+                <a:pos x="connsiteX13" y="connsiteY13"/>
+              </a:cxn>
+              <a:cxn ang="0">
+                <a:pos x="connsiteX14" y="connsiteY14"/>
+              </a:cxn>
+              <a:cxn ang="0">
+                <a:pos x="connsiteX15" y="connsiteY15"/>
+              </a:cxn>
+              <a:cxn ang="0">
+                <a:pos x="connsiteX16" y="connsiteY16"/>
+              </a:cxn>
+              <a:cxn ang="0">
+                <a:pos x="connsiteX17" y="connsiteY17"/>
+              </a:cxn>
+              <a:cxn ang="0">
+                <a:pos x="connsiteX18" y="connsiteY18"/>
+              </a:cxn>
+              <a:cxn ang="0">
+                <a:pos x="connsiteX19" y="connsiteY19"/>
+              </a:cxn>
+              <a:cxn ang="0">
+                <a:pos x="connsiteX20" y="connsiteY20"/>
+              </a:cxn>
+              <a:cxn ang="0">
+                <a:pos x="connsiteX21" y="connsiteY21"/>
+              </a:cxn>
+              <a:cxn ang="0">
+                <a:pos x="connsiteX22" y="connsiteY22"/>
+              </a:cxn>
+              <a:cxn ang="0">
+                <a:pos x="connsiteX23" y="connsiteY23"/>
+              </a:cxn>
+              <a:cxn ang="0">
+                <a:pos x="connsiteX24" y="connsiteY24"/>
+              </a:cxn>
+              <a:cxn ang="0">
+                <a:pos x="connsiteX25" y="connsiteY25"/>
+              </a:cxn>
+              <a:cxn ang="0">
+                <a:pos x="connsiteX26" y="connsiteY26"/>
+              </a:cxn>
+              <a:cxn ang="0">
+                <a:pos x="connsiteX27" y="connsiteY27"/>
+              </a:cxn>
+              <a:cxn ang="0">
+                <a:pos x="connsiteX28" y="connsiteY28"/>
+              </a:cxn>
+            </a:cxnLst>
+            <a:rect l="l" t="t" r="r" b="b"/>
+            <a:pathLst>
+              <a:path w="762000" h="762000">
+                <a:moveTo>
+                  <a:pt x="492443" y="578168"/>
+                </a:moveTo>
+                <a:cubicBezTo>
+                  <a:pt x="429578" y="580073"/>
+                  <a:pt x="406718" y="499110"/>
+                  <a:pt x="451485" y="452438"/>
+                </a:cubicBezTo>
+                <a:lnTo>
+                  <a:pt x="458153" y="445770"/>
+                </a:lnTo>
+                <a:cubicBezTo>
+                  <a:pt x="504825" y="401003"/>
+                  <a:pt x="587693" y="421958"/>
+                  <a:pt x="585788" y="484823"/>
+                </a:cubicBezTo>
+                <a:cubicBezTo>
+                  <a:pt x="584835" y="521018"/>
+                  <a:pt x="627698" y="564833"/>
+                  <a:pt x="653415" y="539115"/>
+                </a:cubicBezTo>
+                <a:lnTo>
+                  <a:pt x="762000" y="430530"/>
+                </a:lnTo>
+                <a:lnTo>
+                  <a:pt x="600075" y="268605"/>
+                </a:lnTo>
+                <a:cubicBezTo>
+                  <a:pt x="574358" y="242888"/>
+                  <a:pt x="618173" y="200025"/>
+                  <a:pt x="654368" y="200978"/>
+                </a:cubicBezTo>
+                <a:cubicBezTo>
+                  <a:pt x="717233" y="202883"/>
+                  <a:pt x="738188" y="120015"/>
+                  <a:pt x="693420" y="73343"/>
+                </a:cubicBezTo>
+                <a:lnTo>
+                  <a:pt x="686753" y="66675"/>
+                </a:lnTo>
+                <a:cubicBezTo>
+                  <a:pt x="640080" y="21908"/>
+                  <a:pt x="559118" y="44768"/>
+                  <a:pt x="561023" y="107632"/>
+                </a:cubicBezTo>
+                <a:cubicBezTo>
+                  <a:pt x="561975" y="143828"/>
+                  <a:pt x="519113" y="187643"/>
+                  <a:pt x="493395" y="161925"/>
+                </a:cubicBezTo>
+                <a:lnTo>
+                  <a:pt x="331470" y="0"/>
+                </a:lnTo>
+                <a:lnTo>
+                  <a:pt x="221933" y="108585"/>
+                </a:lnTo>
+                <a:cubicBezTo>
+                  <a:pt x="196215" y="134303"/>
+                  <a:pt x="240030" y="177165"/>
+                  <a:pt x="276225" y="176213"/>
+                </a:cubicBezTo>
+                <a:cubicBezTo>
+                  <a:pt x="339090" y="174308"/>
+                  <a:pt x="361950" y="255270"/>
+                  <a:pt x="317183" y="301943"/>
+                </a:cubicBezTo>
+                <a:lnTo>
+                  <a:pt x="310515" y="308610"/>
+                </a:lnTo>
+                <a:cubicBezTo>
+                  <a:pt x="263843" y="353378"/>
+                  <a:pt x="180975" y="332423"/>
+                  <a:pt x="182880" y="269558"/>
+                </a:cubicBezTo>
+                <a:cubicBezTo>
+                  <a:pt x="183833" y="233363"/>
+                  <a:pt x="140970" y="189548"/>
+                  <a:pt x="115253" y="215265"/>
+                </a:cubicBezTo>
+                <a:lnTo>
+                  <a:pt x="0" y="331470"/>
+                </a:lnTo>
+                <a:lnTo>
+                  <a:pt x="161925" y="493395"/>
+                </a:lnTo>
+                <a:cubicBezTo>
+                  <a:pt x="187643" y="519113"/>
+                  <a:pt x="143828" y="561975"/>
+                  <a:pt x="107632" y="561023"/>
+                </a:cubicBezTo>
+                <a:cubicBezTo>
+                  <a:pt x="44768" y="559118"/>
+                  <a:pt x="23813" y="641985"/>
+                  <a:pt x="68580" y="688658"/>
+                </a:cubicBezTo>
+                <a:lnTo>
+                  <a:pt x="75248" y="695325"/>
+                </a:lnTo>
+                <a:cubicBezTo>
+                  <a:pt x="121920" y="740093"/>
+                  <a:pt x="202883" y="717233"/>
+                  <a:pt x="200978" y="654368"/>
+                </a:cubicBezTo>
+                <a:cubicBezTo>
+                  <a:pt x="200025" y="618173"/>
+                  <a:pt x="242888" y="574358"/>
+                  <a:pt x="268605" y="600075"/>
+                </a:cubicBezTo>
+                <a:lnTo>
+                  <a:pt x="430530" y="762000"/>
+                </a:lnTo>
+                <a:lnTo>
+                  <a:pt x="546735" y="645795"/>
+                </a:lnTo>
+                <a:cubicBezTo>
+                  <a:pt x="572453" y="620078"/>
+                  <a:pt x="529590" y="577215"/>
+                  <a:pt x="492443" y="578168"/>
+                </a:cubicBezTo>
+                <a:close/>
+              </a:path>
+            </a:pathLst>
+          </a:custGeom>
+          <a:gradFill flip="none" rotWithShape="1">
+            <a:gsLst>
+              <a:gs pos="76000">
+                <a:schemeClr val="accent2"/>
+              </a:gs>
+              <a:gs pos="62000">
+                <a:schemeClr val="accent4"/>
+              </a:gs>
+              <a:gs pos="46000">
+                <a:schemeClr val="accent6"/>
+              </a:gs>
+              <a:gs pos="19000">
+                <a:srgbClr val="7030A0"/>
+              </a:gs>
+              <a:gs pos="29000">
+                <a:srgbClr val="0070C0"/>
+              </a:gs>
+              <a:gs pos="94000">
+                <a:srgbClr val="C00000"/>
+              </a:gs>
+            </a:gsLst>
+            <a:lin ang="16800000" scaled="0"/>
+            <a:tileRect/>
+          </a:gradFill>
+          <a:ln>
+            <a:solidFill>
+              <a:schemeClr val="accent5"/>
+            </a:solidFill>
+          </a:ln>
+        </p:spPr>
+        <p:style>
+          <a:lnRef idx="2">
+            <a:schemeClr val="accent1">
+              <a:shade val="50000"/>
+            </a:schemeClr>
+          </a:lnRef>
+          <a:fillRef idx="1">
+            <a:schemeClr val="accent1"/>
+          </a:fillRef>
+          <a:effectRef idx="0">
+            <a:schemeClr val="accent1"/>
+          </a:effectRef>
+          <a:fontRef idx="minor">
+            <a:schemeClr val="lt1"/>
+          </a:fontRef>
+        </p:style>
+        <p:txBody>
+          <a:bodyPr rtlCol="0" anchor="ctr"/>
+          <a:lstStyle/>
+          <a:p>
+            <a:pPr algn="ctr"/>
+            <a:endParaRPr lang="en-US" sz="2800"/>
+          </a:p>
+        </p:txBody>
+      </p:sp>
+      <p:cxnSp>
+        <p:nvCxnSpPr>
+          <p:cNvPr id="20" name="Curved Connector 19">
+            <a:extLst>
+              <a:ext uri="{FF2B5EF4-FFF2-40B4-BE49-F238E27FC236}">
+                <a16:creationId xmlns:a16="http://schemas.microsoft.com/office/drawing/2014/main" id="{860D96DE-FF83-834B-B3BD-8E42EE4DD1C8}"/>
+              </a:ext>
+            </a:extLst>
+          </p:cNvPr>
+          <p:cNvCxnSpPr>
+            <a:cxnSpLocks/>
+          </p:cNvCxnSpPr>
+          <p:nvPr/>
+        </p:nvCxnSpPr>
+        <p:spPr>
+          <a:xfrm>
+            <a:off x="2638097" y="2832999"/>
+            <a:ext cx="0" cy="1343787"/>
+          </a:xfrm>
+          <a:prstGeom prst="straightConnector1">
+            <a:avLst/>
+          </a:prstGeom>
+          <a:ln>
+            <a:tailEnd type="triangle" w="lg" len="lg"/>
+          </a:ln>
+        </p:spPr>
+        <p:style>
+          <a:lnRef idx="3">
+            <a:schemeClr val="accent1"/>
+          </a:lnRef>
+          <a:fillRef idx="0">
+            <a:schemeClr val="accent1"/>
+          </a:fillRef>
+          <a:effectRef idx="2">
+            <a:schemeClr val="accent1"/>
+          </a:effectRef>
+          <a:fontRef idx="minor">
+            <a:schemeClr val="tx1"/>
+          </a:fontRef>
+        </p:style>
+      </p:cxnSp>
+      <p:cxnSp>
+        <p:nvCxnSpPr>
+          <p:cNvPr id="25" name="Straight Arrow Connector 24">
+            <a:extLst>
+              <a:ext uri="{FF2B5EF4-FFF2-40B4-BE49-F238E27FC236}">
+                <a16:creationId xmlns:a16="http://schemas.microsoft.com/office/drawing/2014/main" id="{60BC6953-9F78-D54D-9A13-450ECA7C3DB7}"/>
+              </a:ext>
+            </a:extLst>
+          </p:cNvPr>
+          <p:cNvCxnSpPr>
+            <a:cxnSpLocks/>
+          </p:cNvCxnSpPr>
+          <p:nvPr/>
+        </p:nvCxnSpPr>
+        <p:spPr>
+          <a:xfrm>
+            <a:off x="3769042" y="5358114"/>
+            <a:ext cx="3146765" cy="0"/>
+          </a:xfrm>
+          <a:prstGeom prst="straightConnector1">
+            <a:avLst/>
+          </a:prstGeom>
+          <a:ln>
+            <a:tailEnd type="triangle" w="lg" len="lg"/>
+          </a:ln>
+        </p:spPr>
+        <p:style>
+          <a:lnRef idx="3">
+            <a:schemeClr val="accent1"/>
+          </a:lnRef>
+          <a:fillRef idx="0">
+            <a:schemeClr val="accent1"/>
+          </a:fillRef>
+          <a:effectRef idx="2">
+            <a:schemeClr val="accent1"/>
+          </a:effectRef>
+          <a:fontRef idx="minor">
+            <a:schemeClr val="tx1"/>
+          </a:fontRef>
+        </p:style>
+      </p:cxnSp>
+      <p:sp>
+        <p:nvSpPr>
+          <p:cNvPr id="26" name="TextBox 25">
+            <a:extLst>
+              <a:ext uri="{FF2B5EF4-FFF2-40B4-BE49-F238E27FC236}">
+                <a16:creationId xmlns:a16="http://schemas.microsoft.com/office/drawing/2014/main" id="{3E20AFAF-5C69-BC45-B0E0-E8264FD48B7D}"/>
+              </a:ext>
+            </a:extLst>
+          </p:cNvPr>
+          <p:cNvSpPr txBox="1"/>
+          <p:nvPr/>
+        </p:nvSpPr>
+        <p:spPr>
+          <a:xfrm>
+            <a:off x="5887033" y="5578159"/>
+            <a:ext cx="2873031" cy="830997"/>
+          </a:xfrm>
+          <a:prstGeom prst="rect">
+            <a:avLst/>
+          </a:prstGeom>
+          <a:noFill/>
+        </p:spPr>
+        <p:txBody>
+          <a:bodyPr wrap="none" rtlCol="0">
+            <a:spAutoFit/>
+          </a:bodyPr>
+          <a:lstStyle/>
+          <a:p>
+            <a:r>
+              <a:rPr lang="en-US" sz="2400" dirty="0"/>
+              <a:t>Compute a statistic, </a:t>
+            </a:r>
+          </a:p>
+          <a:p>
+            <a:r>
+              <a:rPr lang="en-US" sz="2400" dirty="0"/>
+              <a:t>e.g. the sample mean</a:t>
+            </a:r>
+          </a:p>
+        </p:txBody>
+      </p:sp>
+      <p:sp>
+        <p:nvSpPr>
+          <p:cNvPr id="27" name="Oval 26">
+            <a:extLst>
+              <a:ext uri="{FF2B5EF4-FFF2-40B4-BE49-F238E27FC236}">
+                <a16:creationId xmlns:a16="http://schemas.microsoft.com/office/drawing/2014/main" id="{6EA85A86-86AD-5A4A-9BA4-8A296F031753}"/>
+              </a:ext>
+            </a:extLst>
+          </p:cNvPr>
+          <p:cNvSpPr/>
+          <p:nvPr/>
+        </p:nvSpPr>
+        <p:spPr>
+          <a:xfrm>
+            <a:off x="7210097" y="5301388"/>
+            <a:ext cx="113452" cy="113452"/>
+          </a:xfrm>
+          <a:prstGeom prst="ellipse">
+            <a:avLst/>
+          </a:prstGeom>
+          <a:solidFill>
+            <a:schemeClr val="accent6"/>
+          </a:solidFill>
+          <a:ln>
+            <a:noFill/>
+          </a:ln>
+        </p:spPr>
+        <p:style>
+          <a:lnRef idx="2">
+            <a:schemeClr val="accent1">
+              <a:shade val="50000"/>
+            </a:schemeClr>
+          </a:lnRef>
+          <a:fillRef idx="1">
+            <a:schemeClr val="accent1"/>
+          </a:fillRef>
+          <a:effectRef idx="0">
+            <a:schemeClr val="accent1"/>
+          </a:effectRef>
+          <a:fontRef idx="minor">
+            <a:schemeClr val="lt1"/>
+          </a:fontRef>
+        </p:style>
+        <p:txBody>
+          <a:bodyPr rtlCol="0" anchor="ctr"/>
+          <a:lstStyle/>
+          <a:p>
+            <a:pPr algn="ctr"/>
+            <a:endParaRPr lang="en-US"/>
+          </a:p>
+        </p:txBody>
+      </p:sp>
+      <p:cxnSp>
+        <p:nvCxnSpPr>
+          <p:cNvPr id="14" name="Straight Arrow Connector 13">
+            <a:extLst>
+              <a:ext uri="{FF2B5EF4-FFF2-40B4-BE49-F238E27FC236}">
+                <a16:creationId xmlns:a16="http://schemas.microsoft.com/office/drawing/2014/main" id="{B2E4BDFE-DD25-AA49-949A-94D162C5F04F}"/>
+              </a:ext>
+            </a:extLst>
+          </p:cNvPr>
+          <p:cNvCxnSpPr>
+            <a:cxnSpLocks/>
+          </p:cNvCxnSpPr>
+          <p:nvPr/>
+        </p:nvCxnSpPr>
+        <p:spPr>
+          <a:xfrm flipV="1">
+            <a:off x="7689620" y="3647090"/>
+            <a:ext cx="1191621" cy="1654300"/>
+          </a:xfrm>
+          <a:prstGeom prst="straightConnector1">
+            <a:avLst/>
+          </a:prstGeom>
+          <a:ln>
+            <a:tailEnd type="triangle" w="lg" len="lg"/>
+          </a:ln>
+        </p:spPr>
+        <p:style>
+          <a:lnRef idx="3">
+            <a:schemeClr val="accent1"/>
+          </a:lnRef>
+          <a:fillRef idx="0">
+            <a:schemeClr val="accent1"/>
+          </a:fillRef>
+          <a:effectRef idx="2">
+            <a:schemeClr val="accent1"/>
+          </a:effectRef>
+          <a:fontRef idx="minor">
+            <a:schemeClr val="tx1"/>
+          </a:fontRef>
+        </p:style>
+      </p:cxnSp>
+      <p:sp>
+        <p:nvSpPr>
+          <p:cNvPr id="16" name="Left-right Arrow 15">
+            <a:extLst>
+              <a:ext uri="{FF2B5EF4-FFF2-40B4-BE49-F238E27FC236}">
+                <a16:creationId xmlns:a16="http://schemas.microsoft.com/office/drawing/2014/main" id="{7654BBCC-9114-CA44-A93F-5F034CC73491}"/>
+              </a:ext>
+            </a:extLst>
+          </p:cNvPr>
+          <p:cNvSpPr/>
+          <p:nvPr/>
+        </p:nvSpPr>
+        <p:spPr>
+          <a:xfrm>
+            <a:off x="9605579" y="3121572"/>
+            <a:ext cx="536904" cy="575442"/>
+          </a:xfrm>
+          <a:prstGeom prst="leftRightArrow">
+            <a:avLst>
+              <a:gd name="adj1" fmla="val 50000"/>
+              <a:gd name="adj2" fmla="val 24510"/>
+            </a:avLst>
+          </a:prstGeom>
+          <a:solidFill>
+            <a:schemeClr val="accent3">
+              <a:lumMod val="50000"/>
+            </a:schemeClr>
+          </a:solidFill>
+          <a:ln>
+            <a:noFill/>
+          </a:ln>
+        </p:spPr>
+        <p:style>
+          <a:lnRef idx="2">
+            <a:schemeClr val="accent2">
+              <a:shade val="50000"/>
+            </a:schemeClr>
+          </a:lnRef>
+          <a:fillRef idx="1">
+            <a:schemeClr val="accent2"/>
+          </a:fillRef>
+          <a:effectRef idx="0">
+            <a:schemeClr val="accent2"/>
+          </a:effectRef>
+          <a:fontRef idx="minor">
+            <a:schemeClr val="lt1"/>
+          </a:fontRef>
+        </p:style>
+        <p:txBody>
+          <a:bodyPr rtlCol="0" anchor="ctr"/>
+          <a:lstStyle/>
+          <a:p>
+            <a:pPr algn="ctr"/>
+            <a:r>
+              <a:rPr lang="en-US" b="1" dirty="0"/>
+              <a:t>SE</a:t>
+            </a:r>
+          </a:p>
+        </p:txBody>
+      </p:sp>
+    </p:spTree>
+    <p:extLst>
+      <p:ext uri="{BB962C8B-B14F-4D97-AF65-F5344CB8AC3E}">
+        <p14:creationId xmlns:p14="http://schemas.microsoft.com/office/powerpoint/2010/main" val="1655551782"/>
+      </p:ext>
+    </p:extLst>
+  </p:cSld>
+  <p:clrMapOvr>
+    <a:masterClrMapping/>
+  </p:clrMapOvr>
+</p:sld>
+</file>
+
+<file path=ppt/slides/slide3.xml><?xml version="1.0" encoding="utf-8"?>
+<p:sld xmlns:a="http://schemas.openxmlformats.org/drawingml/2006/main" xmlns:r="http://schemas.openxmlformats.org/officeDocument/2006/relationships" xmlns:p="http://schemas.openxmlformats.org/presentationml/2006/main">
+  <p:cSld>
+    <p:spTree>
+      <p:nvGrpSpPr>
+        <p:cNvPr id="1" name=""/>
+        <p:cNvGrpSpPr/>
+        <p:nvPr/>
+      </p:nvGrpSpPr>
+      <p:grpSpPr>
+        <a:xfrm>
+          <a:off x="0" y="0"/>
+          <a:ext cx="0" cy="0"/>
+          <a:chOff x="0" y="0"/>
+          <a:chExt cx="0" cy="0"/>
+        </a:xfrm>
+      </p:grpSpPr>
+      <p:sp>
+        <p:nvSpPr>
+          <p:cNvPr id="28" name="Rounded Rectangle 27">
+            <a:extLst>
+              <a:ext uri="{FF2B5EF4-FFF2-40B4-BE49-F238E27FC236}">
+                <a16:creationId xmlns:a16="http://schemas.microsoft.com/office/drawing/2014/main" id="{0D6F8EE4-BC22-5B44-AF53-D98EF7500923}"/>
+              </a:ext>
+            </a:extLst>
+          </p:cNvPr>
+          <p:cNvSpPr/>
+          <p:nvPr/>
+        </p:nvSpPr>
+        <p:spPr>
+          <a:xfrm>
+            <a:off x="7689620" y="283779"/>
+            <a:ext cx="3775376" cy="4090535"/>
+          </a:xfrm>
+          <a:prstGeom prst="roundRect">
+            <a:avLst>
+              <a:gd name="adj" fmla="val 6876"/>
+            </a:avLst>
+          </a:prstGeom>
+        </p:spPr>
+        <p:style>
+          <a:lnRef idx="2">
+            <a:schemeClr val="accent5"/>
+          </a:lnRef>
+          <a:fillRef idx="1">
+            <a:schemeClr val="lt1"/>
+          </a:fillRef>
+          <a:effectRef idx="0">
+            <a:schemeClr val="accent5"/>
+          </a:effectRef>
+          <a:fontRef idx="minor">
+            <a:schemeClr val="dk1"/>
+          </a:fontRef>
+        </p:style>
+        <p:txBody>
+          <a:bodyPr rtlCol="0" anchor="ctr"/>
+          <a:lstStyle/>
+          <a:p>
+            <a:pPr algn="ctr"/>
+            <a:endParaRPr lang="en-US" dirty="0"/>
+          </a:p>
+        </p:txBody>
+      </p:sp>
+      <mc:AlternateContent xmlns:mc="http://schemas.openxmlformats.org/markup-compatibility/2006">
+        <mc:Choice xmlns:a14="http://schemas.microsoft.com/office/drawing/2010/main" Requires="a14">
+          <p:sp>
+            <p:nvSpPr>
+              <p:cNvPr id="12" name="Cloud 11">
+                <a:extLst>
+                  <a:ext uri="{FF2B5EF4-FFF2-40B4-BE49-F238E27FC236}">
+                    <a16:creationId xmlns:a16="http://schemas.microsoft.com/office/drawing/2014/main" id="{1AF3722A-0060-4144-928C-74D05C4E7D37}"/>
+                  </a:ext>
+                </a:extLst>
+              </p:cNvPr>
+              <p:cNvSpPr/>
+              <p:nvPr/>
+            </p:nvSpPr>
+            <p:spPr>
+              <a:xfrm>
+                <a:off x="539982" y="516084"/>
+                <a:ext cx="3962400" cy="2165131"/>
+              </a:xfrm>
+              <a:prstGeom prst="cloud">
+                <a:avLst/>
+              </a:prstGeom>
+              <a:gradFill flip="none" rotWithShape="1">
+                <a:gsLst>
+                  <a:gs pos="76000">
+                    <a:schemeClr val="accent2"/>
+                  </a:gs>
+                  <a:gs pos="62000">
+                    <a:schemeClr val="accent4"/>
+                  </a:gs>
+                  <a:gs pos="46000">
+                    <a:schemeClr val="accent6"/>
+                  </a:gs>
+                  <a:gs pos="19000">
+                    <a:srgbClr val="7030A0"/>
+                  </a:gs>
+                  <a:gs pos="29000">
+                    <a:srgbClr val="0070C0"/>
+                  </a:gs>
+                  <a:gs pos="94000">
+                    <a:srgbClr val="C00000"/>
+                  </a:gs>
+                </a:gsLst>
+                <a:lin ang="13500000" scaled="1"/>
+                <a:tileRect/>
+              </a:gradFill>
+              <a:ln>
+                <a:solidFill>
+                  <a:schemeClr val="accent5"/>
+                </a:solidFill>
+              </a:ln>
+            </p:spPr>
+            <p:style>
+              <a:lnRef idx="2">
+                <a:schemeClr val="accent1">
+                  <a:shade val="50000"/>
+                </a:schemeClr>
+              </a:lnRef>
+              <a:fillRef idx="1">
+                <a:schemeClr val="accent1"/>
+              </a:fillRef>
+              <a:effectRef idx="0">
+                <a:schemeClr val="accent1"/>
+              </a:effectRef>
+              <a:fontRef idx="minor">
+                <a:schemeClr val="lt1"/>
+              </a:fontRef>
+            </p:style>
+            <p:txBody>
+              <a:bodyPr rtlCol="0" anchor="ctr"/>
+              <a:lstStyle/>
+              <a:p>
+                <a:pPr algn="ctr"/>
+                <a:r>
+                  <a:rPr lang="en-US" sz="2400" dirty="0">
+                    <a:solidFill>
+                      <a:schemeClr val="tx1"/>
+                    </a:solidFill>
+                  </a:rPr>
+                  <a:t>Population</a:t>
+                </a:r>
+                <a:br>
+                  <a:rPr lang="en-US" sz="2400" dirty="0">
+                    <a:solidFill>
+                      <a:schemeClr val="tx1"/>
+                    </a:solidFill>
+                  </a:rPr>
+                </a:br>
+                <a:r>
+                  <a:rPr lang="en-US" sz="2400" dirty="0">
+                    <a:solidFill>
+                      <a:schemeClr val="tx1"/>
+                    </a:solidFill>
+                  </a:rPr>
+                  <a:t>(size </a:t>
+                </a:r>
+                <a14:m>
+                  <m:oMath xmlns:m="http://schemas.openxmlformats.org/officeDocument/2006/math">
+                    <m:r>
+                      <a:rPr lang="en-US" sz="2400" i="1">
+                        <a:solidFill>
+                          <a:schemeClr val="tx1"/>
+                        </a:solidFill>
+                        <a:latin typeface="Cambria Math" panose="02040503050406030204" pitchFamily="18" charset="0"/>
+                      </a:rPr>
+                      <m:t>𝑁</m:t>
+                    </m:r>
+                  </m:oMath>
+                </a14:m>
+                <a:r>
+                  <a:rPr lang="en-US" sz="2400" dirty="0">
+                    <a:solidFill>
+                      <a:schemeClr val="tx1"/>
+                    </a:solidFill>
+                  </a:rPr>
+                  <a:t>)</a:t>
+                </a:r>
+              </a:p>
+            </p:txBody>
+          </p:sp>
+        </mc:Choice>
+        <mc:Fallback>
+          <p:sp>
+            <p:nvSpPr>
+              <p:cNvPr id="12" name="Cloud 11">
+                <a:extLst>
+                  <a:ext uri="{FF2B5EF4-FFF2-40B4-BE49-F238E27FC236}">
+                    <a16:creationId xmlns:a16="http://schemas.microsoft.com/office/drawing/2014/main" id="{1AF3722A-0060-4144-928C-74D05C4E7D37}"/>
+                  </a:ext>
+                </a:extLst>
+              </p:cNvPr>
+              <p:cNvSpPr>
+                <a:spLocks noRot="1" noChangeAspect="1" noMove="1" noResize="1" noEditPoints="1" noAdjustHandles="1" noChangeArrowheads="1" noChangeShapeType="1" noTextEdit="1"/>
+              </p:cNvSpPr>
+              <p:nvPr/>
+            </p:nvSpPr>
+            <p:spPr>
+              <a:xfrm>
+                <a:off x="539982" y="516084"/>
+                <a:ext cx="3962400" cy="2165131"/>
+              </a:xfrm>
+              <a:prstGeom prst="cloud">
+                <a:avLst/>
+              </a:prstGeom>
+              <a:blipFill>
+                <a:blip r:embed="rId2"/>
+                <a:stretch>
+                  <a:fillRect/>
+                </a:stretch>
+              </a:blipFill>
+              <a:ln>
+                <a:solidFill>
+                  <a:schemeClr val="accent5"/>
+                </a:solidFill>
+              </a:ln>
+            </p:spPr>
+            <p:txBody>
+              <a:bodyPr/>
+              <a:lstStyle/>
+              <a:p>
+                <a:r>
+                  <a:rPr lang="en-US">
+                    <a:noFill/>
+                  </a:rPr>
+                  <a:t> </a:t>
+                </a:r>
+              </a:p>
+            </p:txBody>
+          </p:sp>
+        </mc:Fallback>
+      </mc:AlternateContent>
+      <mc:AlternateContent xmlns:mc="http://schemas.openxmlformats.org/markup-compatibility/2006">
+        <mc:Choice xmlns:a14="http://schemas.microsoft.com/office/drawing/2010/main" Requires="a14">
+          <p:sp>
+            <p:nvSpPr>
+              <p:cNvPr id="13" name="TextBox 12">
+                <a:extLst>
+                  <a:ext uri="{FF2B5EF4-FFF2-40B4-BE49-F238E27FC236}">
+                    <a16:creationId xmlns:a16="http://schemas.microsoft.com/office/drawing/2014/main" id="{91DF51F2-6ACD-9B4E-96EF-D5AC76861847}"/>
+                  </a:ext>
+                </a:extLst>
+              </p:cNvPr>
+              <p:cNvSpPr txBox="1"/>
+              <p:nvPr/>
+            </p:nvSpPr>
+            <p:spPr>
+              <a:xfrm>
+                <a:off x="748265" y="4942616"/>
+                <a:ext cx="1104790" cy="830997"/>
+              </a:xfrm>
+              <a:prstGeom prst="rect">
+                <a:avLst/>
+              </a:prstGeom>
+              <a:noFill/>
+            </p:spPr>
+            <p:txBody>
+              <a:bodyPr wrap="none" rtlCol="0">
+                <a:spAutoFit/>
+              </a:bodyPr>
+              <a:lstStyle/>
+              <a:p>
+                <a:r>
+                  <a:rPr lang="en-US" sz="2400" dirty="0"/>
+                  <a:t>Sample</a:t>
+                </a:r>
+              </a:p>
+              <a:p>
+                <a:r>
+                  <a:rPr lang="en-US" sz="2400" dirty="0"/>
+                  <a:t>(size </a:t>
+                </a:r>
+                <a14:m>
+                  <m:oMath xmlns:m="http://schemas.openxmlformats.org/officeDocument/2006/math">
+                    <m:r>
+                      <a:rPr lang="en-US" sz="2400" i="1">
+                        <a:latin typeface="Cambria Math" panose="02040503050406030204" pitchFamily="18" charset="0"/>
+                      </a:rPr>
+                      <m:t>𝑛</m:t>
+                    </m:r>
+                  </m:oMath>
+                </a14:m>
+                <a:r>
+                  <a:rPr lang="en-US" sz="2400" dirty="0"/>
+                  <a:t>)</a:t>
+                </a:r>
+              </a:p>
+            </p:txBody>
+          </p:sp>
+        </mc:Choice>
+        <mc:Fallback>
+          <p:sp>
+            <p:nvSpPr>
+              <p:cNvPr id="13" name="TextBox 12">
+                <a:extLst>
+                  <a:ext uri="{FF2B5EF4-FFF2-40B4-BE49-F238E27FC236}">
+                    <a16:creationId xmlns:a16="http://schemas.microsoft.com/office/drawing/2014/main" id="{91DF51F2-6ACD-9B4E-96EF-D5AC76861847}"/>
+                  </a:ext>
+                </a:extLst>
+              </p:cNvPr>
+              <p:cNvSpPr txBox="1">
+                <a:spLocks noRot="1" noChangeAspect="1" noMove="1" noResize="1" noEditPoints="1" noAdjustHandles="1" noChangeArrowheads="1" noChangeShapeType="1" noTextEdit="1"/>
+              </p:cNvSpPr>
+              <p:nvPr/>
+            </p:nvSpPr>
+            <p:spPr>
+              <a:xfrm>
+                <a:off x="748265" y="4942616"/>
+                <a:ext cx="1104790" cy="830997"/>
+              </a:xfrm>
+              <a:prstGeom prst="rect">
+                <a:avLst/>
+              </a:prstGeom>
+              <a:blipFill>
+                <a:blip r:embed="rId3"/>
+                <a:stretch>
+                  <a:fillRect l="-9195" t="-6061" r="-8046" b="-15152"/>
+                </a:stretch>
+              </a:blipFill>
+            </p:spPr>
+            <p:txBody>
+              <a:bodyPr/>
+              <a:lstStyle/>
+              <a:p>
+                <a:r>
+                  <a:rPr lang="en-US">
+                    <a:noFill/>
+                  </a:rPr>
+                  <a:t> </a:t>
+                </a:r>
+              </a:p>
+            </p:txBody>
+          </p:sp>
+        </mc:Fallback>
+      </mc:AlternateContent>
+      <p:sp>
+        <p:nvSpPr>
+          <p:cNvPr id="15" name="Graphic 6" descr="Puzzle">
+            <a:extLst>
+              <a:ext uri="{FF2B5EF4-FFF2-40B4-BE49-F238E27FC236}">
+                <a16:creationId xmlns:a16="http://schemas.microsoft.com/office/drawing/2014/main" id="{A7A96C26-F993-6944-A6EB-2BB0E06A1004}"/>
+              </a:ext>
+            </a:extLst>
+          </p:cNvPr>
+          <p:cNvSpPr/>
+          <p:nvPr/>
+        </p:nvSpPr>
+        <p:spPr>
+          <a:xfrm rot="18900000">
+            <a:off x="1942444" y="4662463"/>
+            <a:ext cx="1391304" cy="1391304"/>
+          </a:xfrm>
+          <a:custGeom>
+            <a:avLst/>
+            <a:gdLst>
+              <a:gd name="connsiteX0" fmla="*/ 492443 w 762000"/>
+              <a:gd name="connsiteY0" fmla="*/ 578168 h 762000"/>
+              <a:gd name="connsiteX1" fmla="*/ 451485 w 762000"/>
+              <a:gd name="connsiteY1" fmla="*/ 452438 h 762000"/>
+              <a:gd name="connsiteX2" fmla="*/ 458153 w 762000"/>
+              <a:gd name="connsiteY2" fmla="*/ 445770 h 762000"/>
+              <a:gd name="connsiteX3" fmla="*/ 585788 w 762000"/>
+              <a:gd name="connsiteY3" fmla="*/ 484823 h 762000"/>
+              <a:gd name="connsiteX4" fmla="*/ 653415 w 762000"/>
+              <a:gd name="connsiteY4" fmla="*/ 539115 h 762000"/>
+              <a:gd name="connsiteX5" fmla="*/ 762000 w 762000"/>
+              <a:gd name="connsiteY5" fmla="*/ 430530 h 762000"/>
+              <a:gd name="connsiteX6" fmla="*/ 600075 w 762000"/>
+              <a:gd name="connsiteY6" fmla="*/ 268605 h 762000"/>
+              <a:gd name="connsiteX7" fmla="*/ 654368 w 762000"/>
+              <a:gd name="connsiteY7" fmla="*/ 200978 h 762000"/>
+              <a:gd name="connsiteX8" fmla="*/ 693420 w 762000"/>
+              <a:gd name="connsiteY8" fmla="*/ 73343 h 762000"/>
+              <a:gd name="connsiteX9" fmla="*/ 686753 w 762000"/>
+              <a:gd name="connsiteY9" fmla="*/ 66675 h 762000"/>
+              <a:gd name="connsiteX10" fmla="*/ 561023 w 762000"/>
+              <a:gd name="connsiteY10" fmla="*/ 107632 h 762000"/>
+              <a:gd name="connsiteX11" fmla="*/ 493395 w 762000"/>
+              <a:gd name="connsiteY11" fmla="*/ 161925 h 762000"/>
+              <a:gd name="connsiteX12" fmla="*/ 331470 w 762000"/>
+              <a:gd name="connsiteY12" fmla="*/ 0 h 762000"/>
+              <a:gd name="connsiteX13" fmla="*/ 221933 w 762000"/>
+              <a:gd name="connsiteY13" fmla="*/ 108585 h 762000"/>
+              <a:gd name="connsiteX14" fmla="*/ 276225 w 762000"/>
+              <a:gd name="connsiteY14" fmla="*/ 176213 h 762000"/>
+              <a:gd name="connsiteX15" fmla="*/ 317183 w 762000"/>
+              <a:gd name="connsiteY15" fmla="*/ 301943 h 762000"/>
+              <a:gd name="connsiteX16" fmla="*/ 310515 w 762000"/>
+              <a:gd name="connsiteY16" fmla="*/ 308610 h 762000"/>
+              <a:gd name="connsiteX17" fmla="*/ 182880 w 762000"/>
+              <a:gd name="connsiteY17" fmla="*/ 269558 h 762000"/>
+              <a:gd name="connsiteX18" fmla="*/ 115253 w 762000"/>
+              <a:gd name="connsiteY18" fmla="*/ 215265 h 762000"/>
+              <a:gd name="connsiteX19" fmla="*/ 0 w 762000"/>
+              <a:gd name="connsiteY19" fmla="*/ 331470 h 762000"/>
+              <a:gd name="connsiteX20" fmla="*/ 161925 w 762000"/>
+              <a:gd name="connsiteY20" fmla="*/ 493395 h 762000"/>
+              <a:gd name="connsiteX21" fmla="*/ 107632 w 762000"/>
+              <a:gd name="connsiteY21" fmla="*/ 561023 h 762000"/>
+              <a:gd name="connsiteX22" fmla="*/ 68580 w 762000"/>
+              <a:gd name="connsiteY22" fmla="*/ 688658 h 762000"/>
+              <a:gd name="connsiteX23" fmla="*/ 75248 w 762000"/>
+              <a:gd name="connsiteY23" fmla="*/ 695325 h 762000"/>
+              <a:gd name="connsiteX24" fmla="*/ 200978 w 762000"/>
+              <a:gd name="connsiteY24" fmla="*/ 654368 h 762000"/>
+              <a:gd name="connsiteX25" fmla="*/ 268605 w 762000"/>
+              <a:gd name="connsiteY25" fmla="*/ 600075 h 762000"/>
+              <a:gd name="connsiteX26" fmla="*/ 430530 w 762000"/>
+              <a:gd name="connsiteY26" fmla="*/ 762000 h 762000"/>
+              <a:gd name="connsiteX27" fmla="*/ 546735 w 762000"/>
+              <a:gd name="connsiteY27" fmla="*/ 645795 h 762000"/>
+              <a:gd name="connsiteX28" fmla="*/ 492443 w 762000"/>
+              <a:gd name="connsiteY28" fmla="*/ 578168 h 762000"/>
+            </a:gdLst>
+            <a:ahLst/>
+            <a:cxnLst>
+              <a:cxn ang="0">
+                <a:pos x="connsiteX0" y="connsiteY0"/>
+              </a:cxn>
+              <a:cxn ang="0">
+                <a:pos x="connsiteX1" y="connsiteY1"/>
+              </a:cxn>
+              <a:cxn ang="0">
+                <a:pos x="connsiteX2" y="connsiteY2"/>
+              </a:cxn>
+              <a:cxn ang="0">
+                <a:pos x="connsiteX3" y="connsiteY3"/>
+              </a:cxn>
+              <a:cxn ang="0">
+                <a:pos x="connsiteX4" y="connsiteY4"/>
+              </a:cxn>
+              <a:cxn ang="0">
+                <a:pos x="connsiteX5" y="connsiteY5"/>
+              </a:cxn>
+              <a:cxn ang="0">
+                <a:pos x="connsiteX6" y="connsiteY6"/>
+              </a:cxn>
+              <a:cxn ang="0">
+                <a:pos x="connsiteX7" y="connsiteY7"/>
+              </a:cxn>
+              <a:cxn ang="0">
+                <a:pos x="connsiteX8" y="connsiteY8"/>
+              </a:cxn>
+              <a:cxn ang="0">
+                <a:pos x="connsiteX9" y="connsiteY9"/>
+              </a:cxn>
+              <a:cxn ang="0">
+                <a:pos x="connsiteX10" y="connsiteY10"/>
+              </a:cxn>
+              <a:cxn ang="0">
+                <a:pos x="connsiteX11" y="connsiteY11"/>
+              </a:cxn>
+              <a:cxn ang="0">
+                <a:pos x="connsiteX12" y="connsiteY12"/>
+              </a:cxn>
+              <a:cxn ang="0">
+                <a:pos x="connsiteX13" y="connsiteY13"/>
+              </a:cxn>
+              <a:cxn ang="0">
+                <a:pos x="connsiteX14" y="connsiteY14"/>
+              </a:cxn>
+              <a:cxn ang="0">
+                <a:pos x="connsiteX15" y="connsiteY15"/>
+              </a:cxn>
+              <a:cxn ang="0">
+                <a:pos x="connsiteX16" y="connsiteY16"/>
+              </a:cxn>
+              <a:cxn ang="0">
+                <a:pos x="connsiteX17" y="connsiteY17"/>
+              </a:cxn>
+              <a:cxn ang="0">
+                <a:pos x="connsiteX18" y="connsiteY18"/>
+              </a:cxn>
+              <a:cxn ang="0">
+                <a:pos x="connsiteX19" y="connsiteY19"/>
+              </a:cxn>
+              <a:cxn ang="0">
+                <a:pos x="connsiteX20" y="connsiteY20"/>
+              </a:cxn>
+              <a:cxn ang="0">
+                <a:pos x="connsiteX21" y="connsiteY21"/>
+              </a:cxn>
+              <a:cxn ang="0">
+                <a:pos x="connsiteX22" y="connsiteY22"/>
+              </a:cxn>
+              <a:cxn ang="0">
+                <a:pos x="connsiteX23" y="connsiteY23"/>
+              </a:cxn>
+              <a:cxn ang="0">
+                <a:pos x="connsiteX24" y="connsiteY24"/>
+              </a:cxn>
+              <a:cxn ang="0">
+                <a:pos x="connsiteX25" y="connsiteY25"/>
+              </a:cxn>
+              <a:cxn ang="0">
+                <a:pos x="connsiteX26" y="connsiteY26"/>
+              </a:cxn>
+              <a:cxn ang="0">
+                <a:pos x="connsiteX27" y="connsiteY27"/>
+              </a:cxn>
+              <a:cxn ang="0">
+                <a:pos x="connsiteX28" y="connsiteY28"/>
+              </a:cxn>
+            </a:cxnLst>
+            <a:rect l="l" t="t" r="r" b="b"/>
+            <a:pathLst>
+              <a:path w="762000" h="762000">
+                <a:moveTo>
+                  <a:pt x="492443" y="578168"/>
+                </a:moveTo>
+                <a:cubicBezTo>
+                  <a:pt x="429578" y="580073"/>
+                  <a:pt x="406718" y="499110"/>
+                  <a:pt x="451485" y="452438"/>
+                </a:cubicBezTo>
+                <a:lnTo>
+                  <a:pt x="458153" y="445770"/>
+                </a:lnTo>
+                <a:cubicBezTo>
+                  <a:pt x="504825" y="401003"/>
+                  <a:pt x="587693" y="421958"/>
+                  <a:pt x="585788" y="484823"/>
+                </a:cubicBezTo>
+                <a:cubicBezTo>
+                  <a:pt x="584835" y="521018"/>
+                  <a:pt x="627698" y="564833"/>
+                  <a:pt x="653415" y="539115"/>
+                </a:cubicBezTo>
+                <a:lnTo>
+                  <a:pt x="762000" y="430530"/>
+                </a:lnTo>
+                <a:lnTo>
+                  <a:pt x="600075" y="268605"/>
+                </a:lnTo>
+                <a:cubicBezTo>
+                  <a:pt x="574358" y="242888"/>
+                  <a:pt x="618173" y="200025"/>
+                  <a:pt x="654368" y="200978"/>
+                </a:cubicBezTo>
+                <a:cubicBezTo>
+                  <a:pt x="717233" y="202883"/>
+                  <a:pt x="738188" y="120015"/>
+                  <a:pt x="693420" y="73343"/>
+                </a:cubicBezTo>
+                <a:lnTo>
+                  <a:pt x="686753" y="66675"/>
+                </a:lnTo>
+                <a:cubicBezTo>
+                  <a:pt x="640080" y="21908"/>
+                  <a:pt x="559118" y="44768"/>
+                  <a:pt x="561023" y="107632"/>
+                </a:cubicBezTo>
+                <a:cubicBezTo>
+                  <a:pt x="561975" y="143828"/>
+                  <a:pt x="519113" y="187643"/>
+                  <a:pt x="493395" y="161925"/>
+                </a:cubicBezTo>
+                <a:lnTo>
+                  <a:pt x="331470" y="0"/>
+                </a:lnTo>
+                <a:lnTo>
+                  <a:pt x="221933" y="108585"/>
+                </a:lnTo>
+                <a:cubicBezTo>
+                  <a:pt x="196215" y="134303"/>
+                  <a:pt x="240030" y="177165"/>
+                  <a:pt x="276225" y="176213"/>
+                </a:cubicBezTo>
+                <a:cubicBezTo>
+                  <a:pt x="339090" y="174308"/>
+                  <a:pt x="361950" y="255270"/>
+                  <a:pt x="317183" y="301943"/>
+                </a:cubicBezTo>
+                <a:lnTo>
+                  <a:pt x="310515" y="308610"/>
+                </a:lnTo>
+                <a:cubicBezTo>
+                  <a:pt x="263843" y="353378"/>
+                  <a:pt x="180975" y="332423"/>
+                  <a:pt x="182880" y="269558"/>
+                </a:cubicBezTo>
+                <a:cubicBezTo>
+                  <a:pt x="183833" y="233363"/>
+                  <a:pt x="140970" y="189548"/>
+                  <a:pt x="115253" y="215265"/>
+                </a:cubicBezTo>
+                <a:lnTo>
+                  <a:pt x="0" y="331470"/>
+                </a:lnTo>
+                <a:lnTo>
+                  <a:pt x="161925" y="493395"/>
+                </a:lnTo>
+                <a:cubicBezTo>
+                  <a:pt x="187643" y="519113"/>
+                  <a:pt x="143828" y="561975"/>
+                  <a:pt x="107632" y="561023"/>
+                </a:cubicBezTo>
+                <a:cubicBezTo>
+                  <a:pt x="44768" y="559118"/>
+                  <a:pt x="23813" y="641985"/>
+                  <a:pt x="68580" y="688658"/>
+                </a:cubicBezTo>
+                <a:lnTo>
+                  <a:pt x="75248" y="695325"/>
+                </a:lnTo>
+                <a:cubicBezTo>
+                  <a:pt x="121920" y="740093"/>
+                  <a:pt x="202883" y="717233"/>
+                  <a:pt x="200978" y="654368"/>
+                </a:cubicBezTo>
+                <a:cubicBezTo>
+                  <a:pt x="200025" y="618173"/>
+                  <a:pt x="242888" y="574358"/>
+                  <a:pt x="268605" y="600075"/>
+                </a:cubicBezTo>
+                <a:lnTo>
+                  <a:pt x="430530" y="762000"/>
+                </a:lnTo>
+                <a:lnTo>
+                  <a:pt x="546735" y="645795"/>
+                </a:lnTo>
+                <a:cubicBezTo>
+                  <a:pt x="572453" y="620078"/>
+                  <a:pt x="529590" y="577215"/>
+                  <a:pt x="492443" y="578168"/>
+                </a:cubicBezTo>
+                <a:close/>
+              </a:path>
+            </a:pathLst>
+          </a:custGeom>
+          <a:gradFill flip="none" rotWithShape="1">
+            <a:gsLst>
+              <a:gs pos="76000">
+                <a:schemeClr val="accent2"/>
+              </a:gs>
+              <a:gs pos="62000">
+                <a:schemeClr val="accent4"/>
+              </a:gs>
+              <a:gs pos="46000">
+                <a:schemeClr val="accent6"/>
+              </a:gs>
+              <a:gs pos="19000">
+                <a:srgbClr val="7030A0"/>
+              </a:gs>
+              <a:gs pos="29000">
+                <a:srgbClr val="0070C0"/>
+              </a:gs>
+              <a:gs pos="94000">
+                <a:srgbClr val="C00000"/>
+              </a:gs>
+            </a:gsLst>
+            <a:lin ang="16800000" scaled="0"/>
+            <a:tileRect/>
+          </a:gradFill>
+          <a:ln>
+            <a:solidFill>
+              <a:schemeClr val="accent5"/>
+            </a:solidFill>
+          </a:ln>
+        </p:spPr>
+        <p:style>
+          <a:lnRef idx="2">
+            <a:schemeClr val="accent1">
+              <a:shade val="50000"/>
+            </a:schemeClr>
+          </a:lnRef>
+          <a:fillRef idx="1">
+            <a:schemeClr val="accent1"/>
+          </a:fillRef>
+          <a:effectRef idx="0">
+            <a:schemeClr val="accent1"/>
+          </a:effectRef>
+          <a:fontRef idx="minor">
+            <a:schemeClr val="lt1"/>
+          </a:fontRef>
+        </p:style>
+        <p:txBody>
+          <a:bodyPr rtlCol="0" anchor="ctr"/>
+          <a:lstStyle/>
+          <a:p>
+            <a:pPr algn="ctr"/>
+            <a:endParaRPr lang="en-US" sz="2800"/>
+          </a:p>
+        </p:txBody>
+      </p:sp>
+      <p:cxnSp>
+        <p:nvCxnSpPr>
+          <p:cNvPr id="20" name="Curved Connector 19">
+            <a:extLst>
+              <a:ext uri="{FF2B5EF4-FFF2-40B4-BE49-F238E27FC236}">
+                <a16:creationId xmlns:a16="http://schemas.microsoft.com/office/drawing/2014/main" id="{860D96DE-FF83-834B-B3BD-8E42EE4DD1C8}"/>
+              </a:ext>
+            </a:extLst>
+          </p:cNvPr>
+          <p:cNvCxnSpPr>
+            <a:cxnSpLocks/>
+          </p:cNvCxnSpPr>
+          <p:nvPr/>
+        </p:nvCxnSpPr>
+        <p:spPr>
+          <a:xfrm>
+            <a:off x="2638097" y="2832999"/>
+            <a:ext cx="0" cy="1343787"/>
+          </a:xfrm>
+          <a:prstGeom prst="straightConnector1">
+            <a:avLst/>
+          </a:prstGeom>
+          <a:ln>
+            <a:tailEnd type="triangle" w="lg" len="lg"/>
+          </a:ln>
+        </p:spPr>
+        <p:style>
+          <a:lnRef idx="3">
+            <a:schemeClr val="accent1"/>
+          </a:lnRef>
+          <a:fillRef idx="0">
+            <a:schemeClr val="accent1"/>
+          </a:fillRef>
+          <a:effectRef idx="2">
+            <a:schemeClr val="accent1"/>
+          </a:effectRef>
+          <a:fontRef idx="minor">
+            <a:schemeClr val="tx1"/>
+          </a:fontRef>
+        </p:style>
+      </p:cxnSp>
+      <p:cxnSp>
+        <p:nvCxnSpPr>
+          <p:cNvPr id="25" name="Straight Arrow Connector 24">
+            <a:extLst>
+              <a:ext uri="{FF2B5EF4-FFF2-40B4-BE49-F238E27FC236}">
+                <a16:creationId xmlns:a16="http://schemas.microsoft.com/office/drawing/2014/main" id="{60BC6953-9F78-D54D-9A13-450ECA7C3DB7}"/>
+              </a:ext>
+            </a:extLst>
+          </p:cNvPr>
+          <p:cNvCxnSpPr>
+            <a:cxnSpLocks/>
+          </p:cNvCxnSpPr>
+          <p:nvPr/>
+        </p:nvCxnSpPr>
+        <p:spPr>
+          <a:xfrm>
+            <a:off x="3769042" y="5358114"/>
+            <a:ext cx="3146765" cy="0"/>
+          </a:xfrm>
+          <a:prstGeom prst="straightConnector1">
+            <a:avLst/>
+          </a:prstGeom>
+          <a:ln>
+            <a:tailEnd type="triangle" w="lg" len="lg"/>
+          </a:ln>
+        </p:spPr>
+        <p:style>
+          <a:lnRef idx="3">
+            <a:schemeClr val="accent1"/>
+          </a:lnRef>
+          <a:fillRef idx="0">
+            <a:schemeClr val="accent1"/>
+          </a:fillRef>
+          <a:effectRef idx="2">
+            <a:schemeClr val="accent1"/>
+          </a:effectRef>
+          <a:fontRef idx="minor">
+            <a:schemeClr val="tx1"/>
+          </a:fontRef>
+        </p:style>
+      </p:cxnSp>
+      <p:sp>
+        <p:nvSpPr>
+          <p:cNvPr id="26" name="TextBox 25">
+            <a:extLst>
+              <a:ext uri="{FF2B5EF4-FFF2-40B4-BE49-F238E27FC236}">
+                <a16:creationId xmlns:a16="http://schemas.microsoft.com/office/drawing/2014/main" id="{3E20AFAF-5C69-BC45-B0E0-E8264FD48B7D}"/>
+              </a:ext>
+            </a:extLst>
+          </p:cNvPr>
+          <p:cNvSpPr txBox="1"/>
+          <p:nvPr/>
+        </p:nvSpPr>
+        <p:spPr>
+          <a:xfrm>
+            <a:off x="5887033" y="5578159"/>
+            <a:ext cx="2873031" cy="830997"/>
+          </a:xfrm>
+          <a:prstGeom prst="rect">
+            <a:avLst/>
+          </a:prstGeom>
+          <a:noFill/>
+        </p:spPr>
+        <p:txBody>
+          <a:bodyPr wrap="none" rtlCol="0">
+            <a:spAutoFit/>
+          </a:bodyPr>
+          <a:lstStyle/>
+          <a:p>
+            <a:r>
+              <a:rPr lang="en-US" sz="2400" dirty="0"/>
+              <a:t>Compute a statistic, </a:t>
+            </a:r>
+          </a:p>
+          <a:p>
+            <a:r>
+              <a:rPr lang="en-US" sz="2400" dirty="0"/>
+              <a:t>e.g. the sample mean</a:t>
+            </a:r>
+          </a:p>
+        </p:txBody>
+      </p:sp>
+      <p:sp>
+        <p:nvSpPr>
+          <p:cNvPr id="27" name="Oval 26">
+            <a:extLst>
+              <a:ext uri="{FF2B5EF4-FFF2-40B4-BE49-F238E27FC236}">
+                <a16:creationId xmlns:a16="http://schemas.microsoft.com/office/drawing/2014/main" id="{6EA85A86-86AD-5A4A-9BA4-8A296F031753}"/>
+              </a:ext>
+            </a:extLst>
+          </p:cNvPr>
+          <p:cNvSpPr/>
+          <p:nvPr/>
+        </p:nvSpPr>
+        <p:spPr>
+          <a:xfrm>
+            <a:off x="7210097" y="5301388"/>
+            <a:ext cx="113452" cy="113452"/>
+          </a:xfrm>
+          <a:prstGeom prst="ellipse">
+            <a:avLst/>
+          </a:prstGeom>
+          <a:solidFill>
+            <a:schemeClr val="accent6"/>
+          </a:solidFill>
+          <a:ln>
+            <a:noFill/>
+          </a:ln>
+        </p:spPr>
+        <p:style>
+          <a:lnRef idx="2">
+            <a:schemeClr val="accent1">
+              <a:shade val="50000"/>
+            </a:schemeClr>
+          </a:lnRef>
+          <a:fillRef idx="1">
+            <a:schemeClr val="accent1"/>
+          </a:fillRef>
+          <a:effectRef idx="0">
+            <a:schemeClr val="accent1"/>
+          </a:effectRef>
+          <a:fontRef idx="minor">
+            <a:schemeClr val="lt1"/>
+          </a:fontRef>
+        </p:style>
+        <p:txBody>
+          <a:bodyPr rtlCol="0" anchor="ctr"/>
+          <a:lstStyle/>
+          <a:p>
+            <a:pPr algn="ctr"/>
+            <a:endParaRPr lang="en-US"/>
+          </a:p>
+        </p:txBody>
+      </p:sp>
+      <p:pic>
+        <p:nvPicPr>
+          <p:cNvPr id="17" name="Picture 16">
+            <a:extLst>
+              <a:ext uri="{FF2B5EF4-FFF2-40B4-BE49-F238E27FC236}">
+                <a16:creationId xmlns:a16="http://schemas.microsoft.com/office/drawing/2014/main" id="{227BAD58-52C3-064D-9800-A8704788E9F3}"/>
+              </a:ext>
+            </a:extLst>
+          </p:cNvPr>
+          <p:cNvPicPr>
+            <a:picLocks noChangeAspect="1"/>
+          </p:cNvPicPr>
+          <p:nvPr/>
+        </p:nvPicPr>
+        <p:blipFill>
+          <a:blip r:embed="rId4"/>
+          <a:stretch>
+            <a:fillRect/>
+          </a:stretch>
+        </p:blipFill>
+        <p:spPr>
+          <a:xfrm>
+            <a:off x="8049885" y="567143"/>
+            <a:ext cx="3008036" cy="3609643"/>
+          </a:xfrm>
+          <a:prstGeom prst="rect">
+            <a:avLst/>
+          </a:prstGeom>
+        </p:spPr>
+      </p:pic>
+      <p:sp>
+        <p:nvSpPr>
+          <p:cNvPr id="18" name="Left-right Arrow 17">
+            <a:extLst>
+              <a:ext uri="{FF2B5EF4-FFF2-40B4-BE49-F238E27FC236}">
+                <a16:creationId xmlns:a16="http://schemas.microsoft.com/office/drawing/2014/main" id="{F004997B-3133-7247-B951-A1BD2E2C4022}"/>
+              </a:ext>
+            </a:extLst>
+          </p:cNvPr>
+          <p:cNvSpPr/>
+          <p:nvPr/>
+        </p:nvSpPr>
+        <p:spPr>
+          <a:xfrm>
+            <a:off x="9661336" y="3188865"/>
+            <a:ext cx="296703" cy="391062"/>
+          </a:xfrm>
+          <a:prstGeom prst="leftRightArrow">
+            <a:avLst>
+              <a:gd name="adj1" fmla="val 50000"/>
+              <a:gd name="adj2" fmla="val 31551"/>
+            </a:avLst>
+          </a:prstGeom>
+          <a:solidFill>
+            <a:schemeClr val="accent3">
+              <a:lumMod val="50000"/>
+            </a:schemeClr>
+          </a:solidFill>
+          <a:ln>
+            <a:noFill/>
+          </a:ln>
+        </p:spPr>
+        <p:style>
+          <a:lnRef idx="2">
+            <a:schemeClr val="accent2">
+              <a:shade val="50000"/>
+            </a:schemeClr>
+          </a:lnRef>
+          <a:fillRef idx="1">
+            <a:schemeClr val="accent2"/>
+          </a:fillRef>
+          <a:effectRef idx="0">
+            <a:schemeClr val="accent2"/>
+          </a:effectRef>
+          <a:fontRef idx="minor">
+            <a:schemeClr val="lt1"/>
+          </a:fontRef>
+        </p:style>
+        <p:txBody>
+          <a:bodyPr rtlCol="0" anchor="ctr"/>
+          <a:lstStyle/>
+          <a:p>
+            <a:pPr algn="ctr"/>
+            <a:endParaRPr lang="en-US" sz="800" b="1" dirty="0"/>
+          </a:p>
+        </p:txBody>
+      </p:sp>
+      <p:cxnSp>
+        <p:nvCxnSpPr>
+          <p:cNvPr id="14" name="Straight Arrow Connector 13">
+            <a:extLst>
+              <a:ext uri="{FF2B5EF4-FFF2-40B4-BE49-F238E27FC236}">
+                <a16:creationId xmlns:a16="http://schemas.microsoft.com/office/drawing/2014/main" id="{B2E4BDFE-DD25-AA49-949A-94D162C5F04F}"/>
+              </a:ext>
+            </a:extLst>
+          </p:cNvPr>
+          <p:cNvCxnSpPr>
+            <a:cxnSpLocks/>
+          </p:cNvCxnSpPr>
+          <p:nvPr/>
+        </p:nvCxnSpPr>
+        <p:spPr>
+          <a:xfrm flipV="1">
+            <a:off x="7689620" y="3647090"/>
+            <a:ext cx="1191621" cy="1654300"/>
+          </a:xfrm>
+          <a:prstGeom prst="straightConnector1">
+            <a:avLst/>
+          </a:prstGeom>
+          <a:ln>
+            <a:tailEnd type="triangle" w="lg" len="lg"/>
+          </a:ln>
+        </p:spPr>
+        <p:style>
+          <a:lnRef idx="3">
+            <a:schemeClr val="accent1"/>
+          </a:lnRef>
+          <a:fillRef idx="0">
+            <a:schemeClr val="accent1"/>
+          </a:fillRef>
+          <a:effectRef idx="2">
+            <a:schemeClr val="accent1"/>
+          </a:effectRef>
+          <a:fontRef idx="minor">
+            <a:schemeClr val="tx1"/>
+          </a:fontRef>
+        </p:style>
+      </p:cxnSp>
+    </p:spTree>
+    <p:extLst>
+      <p:ext uri="{BB962C8B-B14F-4D97-AF65-F5344CB8AC3E}">
+        <p14:creationId xmlns:p14="http://schemas.microsoft.com/office/powerpoint/2010/main" val="2034221763"/>
+      </p:ext>
+    </p:extLst>
+  </p:cSld>
+  <p:clrMapOvr>
+    <a:masterClrMapping/>
+  </p:clrMapOvr>
+</p:sld>
+</file>
+
+<file path=ppt/slides/slide4.xml><?xml version="1.0" encoding="utf-8"?>
 <p:sld xmlns:a="http://schemas.openxmlformats.org/drawingml/2006/main" xmlns:r="http://schemas.openxmlformats.org/officeDocument/2006/relationships" xmlns:p="http://schemas.openxmlformats.org/presentationml/2006/main">
   <p:cSld>
     <p:spTree>
@@ -5233,10 +7243,10 @@
       </p:sp>
       <p:pic>
         <p:nvPicPr>
-          <p:cNvPr id="19" name="Picture 18">
-            <a:extLst>
-              <a:ext uri="{FF2B5EF4-FFF2-40B4-BE49-F238E27FC236}">
-                <a16:creationId xmlns:a16="http://schemas.microsoft.com/office/drawing/2014/main" id="{E8C19B07-F586-7841-8F6F-AAD813B8280B}"/>
+          <p:cNvPr id="22" name="Picture 21">
+            <a:extLst>
+              <a:ext uri="{FF2B5EF4-FFF2-40B4-BE49-F238E27FC236}">
+                <a16:creationId xmlns:a16="http://schemas.microsoft.com/office/drawing/2014/main" id="{16210381-1FBE-8C43-8395-189C3AAEA8D8}"/>
               </a:ext>
             </a:extLst>
           </p:cNvPr>
@@ -5253,20 +7263,72 @@
         </p:blipFill>
         <p:spPr>
           <a:xfrm>
-            <a:off x="8111444" y="658712"/>
-            <a:ext cx="2931728" cy="3518074"/>
+            <a:off x="8073696" y="706282"/>
+            <a:ext cx="2960413" cy="3552496"/>
           </a:xfrm>
           <a:prstGeom prst="rect">
             <a:avLst/>
           </a:prstGeom>
         </p:spPr>
       </p:pic>
+      <p:sp>
+        <p:nvSpPr>
+          <p:cNvPr id="23" name="Oval 22">
+            <a:extLst>
+              <a:ext uri="{FF2B5EF4-FFF2-40B4-BE49-F238E27FC236}">
+                <a16:creationId xmlns:a16="http://schemas.microsoft.com/office/drawing/2014/main" id="{50A63722-2479-5D4A-9485-E01A9D818B20}"/>
+              </a:ext>
+            </a:extLst>
+          </p:cNvPr>
+          <p:cNvSpPr/>
+          <p:nvPr/>
+        </p:nvSpPr>
+        <p:spPr>
+          <a:xfrm>
+            <a:off x="7210097" y="5301388"/>
+            <a:ext cx="113452" cy="113452"/>
+          </a:xfrm>
+          <a:prstGeom prst="ellipse">
+            <a:avLst/>
+          </a:prstGeom>
+          <a:solidFill>
+            <a:schemeClr val="accent6"/>
+          </a:solidFill>
+          <a:ln>
+            <a:noFill/>
+          </a:ln>
+        </p:spPr>
+        <p:style>
+          <a:lnRef idx="2">
+            <a:schemeClr val="accent1">
+              <a:shade val="50000"/>
+            </a:schemeClr>
+          </a:lnRef>
+          <a:fillRef idx="1">
+            <a:schemeClr val="accent1"/>
+          </a:fillRef>
+          <a:effectRef idx="0">
+            <a:schemeClr val="accent1"/>
+          </a:effectRef>
+          <a:fontRef idx="minor">
+            <a:schemeClr val="lt1"/>
+          </a:fontRef>
+        </p:style>
+        <p:txBody>
+          <a:bodyPr rtlCol="0" anchor="ctr"/>
+          <a:lstStyle/>
+          <a:p>
+            <a:pPr algn="ctr"/>
+            <a:endParaRPr lang="en-US"/>
+          </a:p>
+        </p:txBody>
+      </p:sp>
       <p:cxnSp>
         <p:nvCxnSpPr>
-          <p:cNvPr id="20" name="Straight Arrow Connector 19">
-            <a:extLst>
-              <a:ext uri="{FF2B5EF4-FFF2-40B4-BE49-F238E27FC236}">
-                <a16:creationId xmlns:a16="http://schemas.microsoft.com/office/drawing/2014/main" id="{38CC8D05-F8AC-124A-8A7A-07A460348EF5}"/>
+          <p:cNvPr id="24" name="Straight Arrow Connector 23">
+            <a:extLst>
+              <a:ext uri="{FF2B5EF4-FFF2-40B4-BE49-F238E27FC236}">
+                <a16:creationId xmlns:a16="http://schemas.microsoft.com/office/drawing/2014/main" id="{E8649D64-03B4-344D-914C-D0B746A7B53F}"/>
               </a:ext>
             </a:extLst>
           </p:cNvPr>
@@ -5277,8 +7339,8 @@
         </p:nvCxnSpPr>
         <p:spPr>
           <a:xfrm flipV="1">
-            <a:off x="7689620" y="3216166"/>
-            <a:ext cx="1225314" cy="2085223"/>
+            <a:off x="7689620" y="3647090"/>
+            <a:ext cx="1191621" cy="1654300"/>
           </a:xfrm>
           <a:prstGeom prst="straightConnector1">
             <a:avLst/>
@@ -5304,6 +7366,66 @@
       </p:cxnSp>
       <p:sp>
         <p:nvSpPr>
+          <p:cNvPr id="26" name="Left-right Arrow 25">
+            <a:extLst>
+              <a:ext uri="{FF2B5EF4-FFF2-40B4-BE49-F238E27FC236}">
+                <a16:creationId xmlns:a16="http://schemas.microsoft.com/office/drawing/2014/main" id="{B4A7D965-1C2E-704F-B5B3-E43523A303FC}"/>
+              </a:ext>
+            </a:extLst>
+          </p:cNvPr>
+          <p:cNvSpPr/>
+          <p:nvPr/>
+        </p:nvSpPr>
+        <p:spPr>
+          <a:xfrm>
+            <a:off x="9605579" y="3121572"/>
+            <a:ext cx="536904" cy="575442"/>
+          </a:xfrm>
+          <a:prstGeom prst="leftRightArrow">
+            <a:avLst>
+              <a:gd name="adj1" fmla="val 50000"/>
+              <a:gd name="adj2" fmla="val 24510"/>
+            </a:avLst>
+          </a:prstGeom>
+          <a:solidFill>
+            <a:schemeClr val="accent3">
+              <a:lumMod val="50000"/>
+            </a:schemeClr>
+          </a:solidFill>
+          <a:ln>
+            <a:noFill/>
+          </a:ln>
+        </p:spPr>
+        <p:style>
+          <a:lnRef idx="2">
+            <a:schemeClr val="accent2">
+              <a:shade val="50000"/>
+            </a:schemeClr>
+          </a:lnRef>
+          <a:fillRef idx="1">
+            <a:schemeClr val="accent2"/>
+          </a:fillRef>
+          <a:effectRef idx="0">
+            <a:schemeClr val="accent2"/>
+          </a:effectRef>
+          <a:fontRef idx="minor">
+            <a:schemeClr val="lt1"/>
+          </a:fontRef>
+        </p:style>
+        <p:txBody>
+          <a:bodyPr rtlCol="0" anchor="ctr"/>
+          <a:lstStyle/>
+          <a:p>
+            <a:pPr algn="ctr"/>
+            <a:r>
+              <a:rPr lang="en-US" b="1" dirty="0"/>
+              <a:t>SE</a:t>
+            </a:r>
+          </a:p>
+        </p:txBody>
+      </p:sp>
+      <p:sp>
+        <p:nvSpPr>
           <p:cNvPr id="8" name="TextBox 7">
             <a:extLst>
               <a:ext uri="{FF2B5EF4-FFF2-40B4-BE49-F238E27FC236}">
@@ -5354,7 +7476,7 @@
 </p:sld>
 </file>
 
-<file path=ppt/slides/slide3.xml><?xml version="1.0" encoding="utf-8"?>
+<file path=ppt/slides/slide5.xml><?xml version="1.0" encoding="utf-8"?>
 <p:sld xmlns:a="http://schemas.openxmlformats.org/drawingml/2006/main" xmlns:r="http://schemas.openxmlformats.org/officeDocument/2006/relationships" xmlns:p="http://schemas.openxmlformats.org/presentationml/2006/main">
   <p:cSld>
     <p:spTree>
@@ -6638,7 +8760,7 @@
 </p:sld>
 </file>
 
-<file path=ppt/slides/slide4.xml><?xml version="1.0" encoding="utf-8"?>
+<file path=ppt/slides/slide6.xml><?xml version="1.0" encoding="utf-8"?>
 <p:sld xmlns:a="http://schemas.openxmlformats.org/drawingml/2006/main" xmlns:r="http://schemas.openxmlformats.org/officeDocument/2006/relationships" xmlns:p="http://schemas.openxmlformats.org/presentationml/2006/main">
   <p:cSld>
     <p:spTree>
@@ -7016,67 +9138,7 @@
 </p:sld>
 </file>
 
-<file path=ppt/slides/slide5.xml><?xml version="1.0" encoding="utf-8"?>
-<p:sld xmlns:a="http://schemas.openxmlformats.org/drawingml/2006/main" xmlns:r="http://schemas.openxmlformats.org/officeDocument/2006/relationships" xmlns:p="http://schemas.openxmlformats.org/presentationml/2006/main">
-  <p:cSld>
-    <p:spTree>
-      <p:nvGrpSpPr>
-        <p:cNvPr id="1" name=""/>
-        <p:cNvGrpSpPr/>
-        <p:nvPr/>
-      </p:nvGrpSpPr>
-      <p:grpSpPr>
-        <a:xfrm>
-          <a:off x="0" y="0"/>
-          <a:ext cx="0" cy="0"/>
-          <a:chOff x="0" y="0"/>
-          <a:chExt cx="0" cy="0"/>
-        </a:xfrm>
-      </p:grpSpPr>
-      <p:pic>
-        <p:nvPicPr>
-          <p:cNvPr id="2" name="Picture 1">
-            <a:extLst>
-              <a:ext uri="{FF2B5EF4-FFF2-40B4-BE49-F238E27FC236}">
-                <a16:creationId xmlns:a16="http://schemas.microsoft.com/office/drawing/2014/main" id="{61460DD8-D785-D447-8B3D-D1292FA5C7BE}"/>
-              </a:ext>
-            </a:extLst>
-          </p:cNvPr>
-          <p:cNvPicPr>
-            <a:picLocks noChangeAspect="1"/>
-          </p:cNvPicPr>
-          <p:nvPr/>
-        </p:nvPicPr>
-        <p:blipFill>
-          <a:blip r:embed="rId2"/>
-          <a:stretch>
-            <a:fillRect/>
-          </a:stretch>
-        </p:blipFill>
-        <p:spPr>
-          <a:xfrm>
-            <a:off x="3497992" y="531340"/>
-            <a:ext cx="4994189" cy="5993027"/>
-          </a:xfrm>
-          <a:prstGeom prst="rect">
-            <a:avLst/>
-          </a:prstGeom>
-        </p:spPr>
-      </p:pic>
-    </p:spTree>
-    <p:extLst>
-      <p:ext uri="{BB962C8B-B14F-4D97-AF65-F5344CB8AC3E}">
-        <p14:creationId xmlns:p14="http://schemas.microsoft.com/office/powerpoint/2010/main" val="2484206797"/>
-      </p:ext>
-    </p:extLst>
-  </p:cSld>
-  <p:clrMapOvr>
-    <a:masterClrMapping/>
-  </p:clrMapOvr>
-</p:sld>
-</file>
-
-<file path=ppt/slides/slide6.xml><?xml version="1.0" encoding="utf-8"?>
+<file path=ppt/slides/slide7.xml><?xml version="1.0" encoding="utf-8"?>
 <p:sld xmlns:a="http://schemas.openxmlformats.org/drawingml/2006/main" xmlns:r="http://schemas.openxmlformats.org/officeDocument/2006/relationships" xmlns:p="http://schemas.openxmlformats.org/presentationml/2006/main">
   <p:cSld>
     <p:spTree>
@@ -7193,7 +9255,7 @@
 </p:sld>
 </file>
 
-<file path=ppt/slides/slide7.xml><?xml version="1.0" encoding="utf-8"?>
+<file path=ppt/slides/slide8.xml><?xml version="1.0" encoding="utf-8"?>
 <p:sld xmlns:a="http://schemas.openxmlformats.org/drawingml/2006/main" xmlns:r="http://schemas.openxmlformats.org/officeDocument/2006/relationships" xmlns:p="http://schemas.openxmlformats.org/presentationml/2006/main">
   <p:cSld>
     <p:spTree>
@@ -7253,7 +9315,7 @@
 </p:sld>
 </file>
 
-<file path=ppt/slides/slide8.xml><?xml version="1.0" encoding="utf-8"?>
+<file path=ppt/slides/slide9.xml><?xml version="1.0" encoding="utf-8"?>
 <p:sld xmlns:a="http://schemas.openxmlformats.org/drawingml/2006/main" xmlns:r="http://schemas.openxmlformats.org/officeDocument/2006/relationships" xmlns:p="http://schemas.openxmlformats.org/presentationml/2006/main">
   <p:cSld>
     <p:spTree>
